--- a/images/theory_analysis/MSA/Micro_Service_Architecture.pptx
+++ b/images/theory_analysis/MSA/Micro_Service_Architecture.pptx
@@ -5,12 +5,13 @@
     <p:sldMasterId id="2147483648" r:id="rId1"/>
   </p:sldMasterIdLst>
   <p:notesMasterIdLst>
-    <p:notesMasterId r:id="rId5"/>
+    <p:notesMasterId r:id="rId6"/>
   </p:notesMasterIdLst>
   <p:sldIdLst>
     <p:sldId id="384" r:id="rId2"/>
     <p:sldId id="385" r:id="rId3"/>
     <p:sldId id="386" r:id="rId4"/>
+    <p:sldId id="387" r:id="rId5"/>
   </p:sldIdLst>
   <p:sldSz cx="9144000" cy="5143500" type="screen16x9"/>
   <p:notesSz cx="6858000" cy="9144000"/>
@@ -111,7 +112,7 @@
   </p:defaultTextStyle>
   <p:extLst>
     <p:ext uri="{EFAFB233-063F-42B5-8137-9DF3F51BA10A}">
-      <p15:sldGuideLst xmlns:p15="http://schemas.microsoft.com/office/powerpoint/2012/main" xmlns="">
+      <p15:sldGuideLst xmlns:p15="http://schemas.microsoft.com/office/powerpoint/2012/main">
         <p15:guide id="1" orient="horz" pos="2160">
           <p15:clr>
             <a:srgbClr val="A4A3A4"/>
@@ -215,7 +216,7 @@
           <a:p>
             <a:fld id="{6CD5550B-26C4-49A9-A5BA-636EF7BE6CE9}" type="datetimeFigureOut">
               <a:rPr lang="ko-KR" altLang="en-US" smtClean="0"/>
-              <a:t>2018-10-08</a:t>
+              <a:t>2018-11-04</a:t>
             </a:fld>
             <a:endParaRPr lang="ko-KR" altLang="en-US"/>
           </a:p>
@@ -734,6 +735,90 @@
 </p:notes>
 </file>
 
+<file path=ppt/notesSlides/notesSlide4.xml><?xml version="1.0" encoding="utf-8"?>
+<p:notes xmlns:a="http://schemas.openxmlformats.org/drawingml/2006/main" xmlns:r="http://schemas.openxmlformats.org/officeDocument/2006/relationships" xmlns:p="http://schemas.openxmlformats.org/presentationml/2006/main">
+  <p:cSld>
+    <p:spTree>
+      <p:nvGrpSpPr>
+        <p:cNvPr id="1" name=""/>
+        <p:cNvGrpSpPr/>
+        <p:nvPr/>
+      </p:nvGrpSpPr>
+      <p:grpSpPr>
+        <a:xfrm>
+          <a:off x="0" y="0"/>
+          <a:ext cx="0" cy="0"/>
+          <a:chOff x="0" y="0"/>
+          <a:chExt cx="0" cy="0"/>
+        </a:xfrm>
+      </p:grpSpPr>
+      <p:sp>
+        <p:nvSpPr>
+          <p:cNvPr id="2" name="슬라이드 이미지 개체 틀 1"/>
+          <p:cNvSpPr>
+            <a:spLocks noGrp="1" noRot="1" noChangeAspect="1"/>
+          </p:cNvSpPr>
+          <p:nvPr>
+            <p:ph type="sldImg"/>
+          </p:nvPr>
+        </p:nvSpPr>
+        <p:spPr/>
+      </p:sp>
+      <p:sp>
+        <p:nvSpPr>
+          <p:cNvPr id="3" name="슬라이드 노트 개체 틀 2"/>
+          <p:cNvSpPr>
+            <a:spLocks noGrp="1"/>
+          </p:cNvSpPr>
+          <p:nvPr>
+            <p:ph type="body" idx="1"/>
+          </p:nvPr>
+        </p:nvSpPr>
+        <p:spPr/>
+        <p:txBody>
+          <a:bodyPr/>
+          <a:lstStyle/>
+          <a:p>
+            <a:endParaRPr lang="ko-KR" altLang="en-US" dirty="0"/>
+          </a:p>
+        </p:txBody>
+      </p:sp>
+      <p:sp>
+        <p:nvSpPr>
+          <p:cNvPr id="4" name="슬라이드 번호 개체 틀 3"/>
+          <p:cNvSpPr>
+            <a:spLocks noGrp="1"/>
+          </p:cNvSpPr>
+          <p:nvPr>
+            <p:ph type="sldNum" sz="quarter" idx="10"/>
+          </p:nvPr>
+        </p:nvSpPr>
+        <p:spPr/>
+        <p:txBody>
+          <a:bodyPr/>
+          <a:lstStyle/>
+          <a:p>
+            <a:fld id="{BA5DFA43-8D57-47FB-BC46-057616015C3B}" type="slidenum">
+              <a:rPr lang="ko-KR" altLang="en-US" smtClean="0"/>
+              <a:t>4</a:t>
+            </a:fld>
+            <a:endParaRPr lang="ko-KR" altLang="en-US"/>
+          </a:p>
+        </p:txBody>
+      </p:sp>
+    </p:spTree>
+    <p:extLst>
+      <p:ext uri="{BB962C8B-B14F-4D97-AF65-F5344CB8AC3E}">
+        <p14:creationId xmlns:p14="http://schemas.microsoft.com/office/powerpoint/2010/main" val="3134032680"/>
+      </p:ext>
+    </p:extLst>
+  </p:cSld>
+  <p:clrMapOvr>
+    <a:masterClrMapping/>
+  </p:clrMapOvr>
+</p:notes>
+</file>
+
 <file path=ppt/slideLayouts/slideLayout1.xml><?xml version="1.0" encoding="utf-8"?>
 <p:sldLayout xmlns:a="http://schemas.openxmlformats.org/drawingml/2006/main" xmlns:r="http://schemas.openxmlformats.org/officeDocument/2006/relationships" xmlns:p="http://schemas.openxmlformats.org/presentationml/2006/main" type="title" preserve="1">
   <p:cSld name="제목 슬라이드">
@@ -913,7 +998,7 @@
           <a:p>
             <a:fld id="{FB30EDBD-1C2D-4C1E-B459-B60219FAB484}" type="datetimeFigureOut">
               <a:rPr lang="ko-KR" altLang="en-US" smtClean="0"/>
-              <a:t>2018-10-08</a:t>
+              <a:t>2018-11-04</a:t>
             </a:fld>
             <a:endParaRPr lang="ko-KR" altLang="en-US"/>
           </a:p>
@@ -1076,7 +1161,7 @@
           <a:p>
             <a:fld id="{FB30EDBD-1C2D-4C1E-B459-B60219FAB484}" type="datetimeFigureOut">
               <a:rPr lang="ko-KR" altLang="en-US" smtClean="0"/>
-              <a:t>2018-10-08</a:t>
+              <a:t>2018-11-04</a:t>
             </a:fld>
             <a:endParaRPr lang="ko-KR" altLang="en-US"/>
           </a:p>
@@ -1249,7 +1334,7 @@
           <a:p>
             <a:fld id="{FB30EDBD-1C2D-4C1E-B459-B60219FAB484}" type="datetimeFigureOut">
               <a:rPr lang="ko-KR" altLang="en-US" smtClean="0"/>
-              <a:t>2018-10-08</a:t>
+              <a:t>2018-11-04</a:t>
             </a:fld>
             <a:endParaRPr lang="ko-KR" altLang="en-US"/>
           </a:p>
@@ -1412,7 +1497,7 @@
           <a:p>
             <a:fld id="{FB30EDBD-1C2D-4C1E-B459-B60219FAB484}" type="datetimeFigureOut">
               <a:rPr lang="ko-KR" altLang="en-US" smtClean="0"/>
-              <a:t>2018-10-08</a:t>
+              <a:t>2018-11-04</a:t>
             </a:fld>
             <a:endParaRPr lang="ko-KR" altLang="en-US"/>
           </a:p>
@@ -1652,7 +1737,7 @@
           <a:p>
             <a:fld id="{FB30EDBD-1C2D-4C1E-B459-B60219FAB484}" type="datetimeFigureOut">
               <a:rPr lang="ko-KR" altLang="en-US" smtClean="0"/>
-              <a:t>2018-10-08</a:t>
+              <a:t>2018-11-04</a:t>
             </a:fld>
             <a:endParaRPr lang="ko-KR" altLang="en-US"/>
           </a:p>
@@ -1932,7 +2017,7 @@
           <a:p>
             <a:fld id="{FB30EDBD-1C2D-4C1E-B459-B60219FAB484}" type="datetimeFigureOut">
               <a:rPr lang="ko-KR" altLang="en-US" smtClean="0"/>
-              <a:t>2018-10-08</a:t>
+              <a:t>2018-11-04</a:t>
             </a:fld>
             <a:endParaRPr lang="ko-KR" altLang="en-US"/>
           </a:p>
@@ -2346,7 +2431,7 @@
           <a:p>
             <a:fld id="{FB30EDBD-1C2D-4C1E-B459-B60219FAB484}" type="datetimeFigureOut">
               <a:rPr lang="ko-KR" altLang="en-US" smtClean="0"/>
-              <a:t>2018-10-08</a:t>
+              <a:t>2018-11-04</a:t>
             </a:fld>
             <a:endParaRPr lang="ko-KR" altLang="en-US"/>
           </a:p>
@@ -2458,7 +2543,7 @@
           <a:p>
             <a:fld id="{FB30EDBD-1C2D-4C1E-B459-B60219FAB484}" type="datetimeFigureOut">
               <a:rPr lang="ko-KR" altLang="en-US" smtClean="0"/>
-              <a:t>2018-10-08</a:t>
+              <a:t>2018-11-04</a:t>
             </a:fld>
             <a:endParaRPr lang="ko-KR" altLang="en-US"/>
           </a:p>
@@ -2548,7 +2633,7 @@
           <a:p>
             <a:fld id="{FB30EDBD-1C2D-4C1E-B459-B60219FAB484}" type="datetimeFigureOut">
               <a:rPr lang="ko-KR" altLang="en-US" smtClean="0"/>
-              <a:t>2018-10-08</a:t>
+              <a:t>2018-11-04</a:t>
             </a:fld>
             <a:endParaRPr lang="ko-KR" altLang="en-US"/>
           </a:p>
@@ -2818,7 +2903,7 @@
           <a:p>
             <a:fld id="{FB30EDBD-1C2D-4C1E-B459-B60219FAB484}" type="datetimeFigureOut">
               <a:rPr lang="ko-KR" altLang="en-US" smtClean="0"/>
-              <a:t>2018-10-08</a:t>
+              <a:t>2018-11-04</a:t>
             </a:fld>
             <a:endParaRPr lang="ko-KR" altLang="en-US"/>
           </a:p>
@@ -3065,7 +3150,7 @@
           <a:p>
             <a:fld id="{FB30EDBD-1C2D-4C1E-B459-B60219FAB484}" type="datetimeFigureOut">
               <a:rPr lang="ko-KR" altLang="en-US" smtClean="0"/>
-              <a:t>2018-10-08</a:t>
+              <a:t>2018-11-04</a:t>
             </a:fld>
             <a:endParaRPr lang="ko-KR" altLang="en-US"/>
           </a:p>
@@ -3271,7 +3356,7 @@
           <a:p>
             <a:fld id="{FB30EDBD-1C2D-4C1E-B459-B60219FAB484}" type="datetimeFigureOut">
               <a:rPr lang="ko-KR" altLang="en-US" smtClean="0"/>
-              <a:t>2018-10-08</a:t>
+              <a:t>2018-11-04</a:t>
             </a:fld>
             <a:endParaRPr lang="ko-KR" altLang="en-US"/>
           </a:p>
@@ -3684,7 +3769,7 @@
           <p:cNvPr id="2" name="직사각형 1">
             <a:extLst>
               <a:ext uri="{FF2B5EF4-FFF2-40B4-BE49-F238E27FC236}">
-                <a16:creationId xmlns:a16="http://schemas.microsoft.com/office/drawing/2014/main" xmlns="" id="{871C1A23-08A1-4EBC-BA13-56720CDDD613}"/>
+                <a16:creationId xmlns:a16="http://schemas.microsoft.com/office/drawing/2014/main" id="{871C1A23-08A1-4EBC-BA13-56720CDDD613}"/>
               </a:ext>
             </a:extLst>
           </p:cNvPr>
@@ -3730,7 +3815,7 @@
           <p:cNvPr id="14" name="직사각형 13">
             <a:extLst>
               <a:ext uri="{FF2B5EF4-FFF2-40B4-BE49-F238E27FC236}">
-                <a16:creationId xmlns:a16="http://schemas.microsoft.com/office/drawing/2014/main" xmlns="" id="{AD5DF2D0-4A95-404F-A697-334F9BC9FE3A}"/>
+                <a16:creationId xmlns:a16="http://schemas.microsoft.com/office/drawing/2014/main" id="{AD5DF2D0-4A95-404F-A697-334F9BC9FE3A}"/>
               </a:ext>
             </a:extLst>
           </p:cNvPr>
@@ -3776,7 +3861,7 @@
           <p:cNvPr id="5" name="직선 연결선 4">
             <a:extLst>
               <a:ext uri="{FF2B5EF4-FFF2-40B4-BE49-F238E27FC236}">
-                <a16:creationId xmlns:a16="http://schemas.microsoft.com/office/drawing/2014/main" xmlns="" id="{4B0DF900-68BF-404D-BE49-83648D532675}"/>
+                <a16:creationId xmlns:a16="http://schemas.microsoft.com/office/drawing/2014/main" id="{4B0DF900-68BF-404D-BE49-83648D532675}"/>
               </a:ext>
             </a:extLst>
           </p:cNvPr>
@@ -3819,7 +3904,7 @@
           <p:cNvPr id="19" name="직선 연결선 18">
             <a:extLst>
               <a:ext uri="{FF2B5EF4-FFF2-40B4-BE49-F238E27FC236}">
-                <a16:creationId xmlns:a16="http://schemas.microsoft.com/office/drawing/2014/main" xmlns="" id="{73D6A319-059A-4855-81AB-144BF2655B11}"/>
+                <a16:creationId xmlns:a16="http://schemas.microsoft.com/office/drawing/2014/main" id="{73D6A319-059A-4855-81AB-144BF2655B11}"/>
               </a:ext>
             </a:extLst>
           </p:cNvPr>
@@ -3862,7 +3947,7 @@
           <p:cNvPr id="22" name="직선 연결선 21">
             <a:extLst>
               <a:ext uri="{FF2B5EF4-FFF2-40B4-BE49-F238E27FC236}">
-                <a16:creationId xmlns:a16="http://schemas.microsoft.com/office/drawing/2014/main" xmlns="" id="{DCEF3954-2622-4867-87AB-8E8480B5DE74}"/>
+                <a16:creationId xmlns:a16="http://schemas.microsoft.com/office/drawing/2014/main" id="{DCEF3954-2622-4867-87AB-8E8480B5DE74}"/>
               </a:ext>
             </a:extLst>
           </p:cNvPr>
@@ -3905,7 +3990,7 @@
           <p:cNvPr id="24" name="직선 연결선 23">
             <a:extLst>
               <a:ext uri="{FF2B5EF4-FFF2-40B4-BE49-F238E27FC236}">
-                <a16:creationId xmlns:a16="http://schemas.microsoft.com/office/drawing/2014/main" xmlns="" id="{DFBE3E08-8CEA-47E0-8AFA-05A181E7BE56}"/>
+                <a16:creationId xmlns:a16="http://schemas.microsoft.com/office/drawing/2014/main" id="{DFBE3E08-8CEA-47E0-8AFA-05A181E7BE56}"/>
               </a:ext>
             </a:extLst>
           </p:cNvPr>
@@ -3948,7 +4033,7 @@
           <p:cNvPr id="10" name="TextBox 9">
             <a:extLst>
               <a:ext uri="{FF2B5EF4-FFF2-40B4-BE49-F238E27FC236}">
-                <a16:creationId xmlns:a16="http://schemas.microsoft.com/office/drawing/2014/main" xmlns="" id="{B446C4BF-930A-4514-B729-3FF9A32BACB7}"/>
+                <a16:creationId xmlns:a16="http://schemas.microsoft.com/office/drawing/2014/main" id="{B446C4BF-930A-4514-B729-3FF9A32BACB7}"/>
               </a:ext>
             </a:extLst>
           </p:cNvPr>
@@ -4026,7 +4111,7 @@
           <p:cNvPr id="25" name="TextBox 24">
             <a:extLst>
               <a:ext uri="{FF2B5EF4-FFF2-40B4-BE49-F238E27FC236}">
-                <a16:creationId xmlns:a16="http://schemas.microsoft.com/office/drawing/2014/main" xmlns="" id="{93D98A06-808D-48D5-BE72-7686F03E6E86}"/>
+                <a16:creationId xmlns:a16="http://schemas.microsoft.com/office/drawing/2014/main" id="{93D98A06-808D-48D5-BE72-7686F03E6E86}"/>
               </a:ext>
             </a:extLst>
           </p:cNvPr>
@@ -4090,7 +4175,7 @@
           <p:cNvPr id="26" name="TextBox 25">
             <a:extLst>
               <a:ext uri="{FF2B5EF4-FFF2-40B4-BE49-F238E27FC236}">
-                <a16:creationId xmlns:a16="http://schemas.microsoft.com/office/drawing/2014/main" xmlns="" id="{3175007F-ADEF-4513-AF19-543817B321FB}"/>
+                <a16:creationId xmlns:a16="http://schemas.microsoft.com/office/drawing/2014/main" id="{3175007F-ADEF-4513-AF19-543817B321FB}"/>
               </a:ext>
             </a:extLst>
           </p:cNvPr>
@@ -4210,7 +4295,7 @@
           <p:cNvPr id="5" name="사각형: 둥근 모서리 4">
             <a:extLst>
               <a:ext uri="{FF2B5EF4-FFF2-40B4-BE49-F238E27FC236}">
-                <a16:creationId xmlns:a16="http://schemas.microsoft.com/office/drawing/2014/main" xmlns="" id="{C0DD1DC1-D94A-443F-8634-4CA4A4516E20}"/>
+                <a16:creationId xmlns:a16="http://schemas.microsoft.com/office/drawing/2014/main" id="{C0DD1DC1-D94A-443F-8634-4CA4A4516E20}"/>
               </a:ext>
             </a:extLst>
           </p:cNvPr>
@@ -4267,7 +4352,7 @@
           <p:cNvPr id="14" name="그룹 13">
             <a:extLst>
               <a:ext uri="{FF2B5EF4-FFF2-40B4-BE49-F238E27FC236}">
-                <a16:creationId xmlns:a16="http://schemas.microsoft.com/office/drawing/2014/main" xmlns="" id="{2B39062D-5546-4721-A4B0-9CD158678153}"/>
+                <a16:creationId xmlns:a16="http://schemas.microsoft.com/office/drawing/2014/main" id="{2B39062D-5546-4721-A4B0-9CD158678153}"/>
               </a:ext>
             </a:extLst>
           </p:cNvPr>
@@ -4287,7 +4372,7 @@
             <p:cNvPr id="7" name="사각형: 둥근 모서리 6">
               <a:extLst>
                 <a:ext uri="{FF2B5EF4-FFF2-40B4-BE49-F238E27FC236}">
-                  <a16:creationId xmlns:a16="http://schemas.microsoft.com/office/drawing/2014/main" xmlns="" id="{DBD84B4D-4545-4753-BCE0-AC4028902921}"/>
+                  <a16:creationId xmlns:a16="http://schemas.microsoft.com/office/drawing/2014/main" id="{DBD84B4D-4545-4753-BCE0-AC4028902921}"/>
                 </a:ext>
               </a:extLst>
             </p:cNvPr>
@@ -4337,7 +4422,7 @@
             <p:cNvPr id="9" name="사각형: 둥근 모서리 8">
               <a:extLst>
                 <a:ext uri="{FF2B5EF4-FFF2-40B4-BE49-F238E27FC236}">
-                  <a16:creationId xmlns:a16="http://schemas.microsoft.com/office/drawing/2014/main" xmlns="" id="{132D2C2A-3FF6-4933-88C5-2057D9427B98}"/>
+                  <a16:creationId xmlns:a16="http://schemas.microsoft.com/office/drawing/2014/main" id="{132D2C2A-3FF6-4933-88C5-2057D9427B98}"/>
                 </a:ext>
               </a:extLst>
             </p:cNvPr>
@@ -4387,7 +4472,7 @@
             <p:cNvPr id="11" name="사각형: 둥근 모서리 10">
               <a:extLst>
                 <a:ext uri="{FF2B5EF4-FFF2-40B4-BE49-F238E27FC236}">
-                  <a16:creationId xmlns:a16="http://schemas.microsoft.com/office/drawing/2014/main" xmlns="" id="{D6F667D1-CF0F-4E37-A88D-A117E5F53DB6}"/>
+                  <a16:creationId xmlns:a16="http://schemas.microsoft.com/office/drawing/2014/main" id="{D6F667D1-CF0F-4E37-A88D-A117E5F53DB6}"/>
                 </a:ext>
               </a:extLst>
             </p:cNvPr>
@@ -4437,7 +4522,7 @@
             <p:cNvPr id="12" name="사각형: 둥근 모서리 11">
               <a:extLst>
                 <a:ext uri="{FF2B5EF4-FFF2-40B4-BE49-F238E27FC236}">
-                  <a16:creationId xmlns:a16="http://schemas.microsoft.com/office/drawing/2014/main" xmlns="" id="{340365E0-E84A-4DDC-BD1F-224DF6F51B26}"/>
+                  <a16:creationId xmlns:a16="http://schemas.microsoft.com/office/drawing/2014/main" id="{340365E0-E84A-4DDC-BD1F-224DF6F51B26}"/>
                 </a:ext>
               </a:extLst>
             </p:cNvPr>
@@ -4487,7 +4572,7 @@
             <p:cNvPr id="13" name="사각형: 둥근 모서리 12">
               <a:extLst>
                 <a:ext uri="{FF2B5EF4-FFF2-40B4-BE49-F238E27FC236}">
-                  <a16:creationId xmlns:a16="http://schemas.microsoft.com/office/drawing/2014/main" xmlns="" id="{62881719-038F-4834-AC17-B29E2824AC27}"/>
+                  <a16:creationId xmlns:a16="http://schemas.microsoft.com/office/drawing/2014/main" id="{62881719-038F-4834-AC17-B29E2824AC27}"/>
                 </a:ext>
               </a:extLst>
             </p:cNvPr>
@@ -4538,7 +4623,7 @@
           <p:cNvPr id="15" name="그룹 14">
             <a:extLst>
               <a:ext uri="{FF2B5EF4-FFF2-40B4-BE49-F238E27FC236}">
-                <a16:creationId xmlns:a16="http://schemas.microsoft.com/office/drawing/2014/main" xmlns="" id="{252E4530-8652-40FE-9697-1945BBEE4762}"/>
+                <a16:creationId xmlns:a16="http://schemas.microsoft.com/office/drawing/2014/main" id="{252E4530-8652-40FE-9697-1945BBEE4762}"/>
               </a:ext>
             </a:extLst>
           </p:cNvPr>
@@ -4558,7 +4643,7 @@
             <p:cNvPr id="16" name="사각형: 둥근 모서리 15">
               <a:extLst>
                 <a:ext uri="{FF2B5EF4-FFF2-40B4-BE49-F238E27FC236}">
-                  <a16:creationId xmlns:a16="http://schemas.microsoft.com/office/drawing/2014/main" xmlns="" id="{99F514A8-F843-4C93-B3C3-B6FEAD1B7E20}"/>
+                  <a16:creationId xmlns:a16="http://schemas.microsoft.com/office/drawing/2014/main" id="{99F514A8-F843-4C93-B3C3-B6FEAD1B7E20}"/>
                 </a:ext>
               </a:extLst>
             </p:cNvPr>
@@ -4608,7 +4693,7 @@
             <p:cNvPr id="17" name="사각형: 둥근 모서리 16">
               <a:extLst>
                 <a:ext uri="{FF2B5EF4-FFF2-40B4-BE49-F238E27FC236}">
-                  <a16:creationId xmlns:a16="http://schemas.microsoft.com/office/drawing/2014/main" xmlns="" id="{0B06E263-8D3B-4381-97F5-80CB618A8D22}"/>
+                  <a16:creationId xmlns:a16="http://schemas.microsoft.com/office/drawing/2014/main" id="{0B06E263-8D3B-4381-97F5-80CB618A8D22}"/>
                 </a:ext>
               </a:extLst>
             </p:cNvPr>
@@ -4658,7 +4743,7 @@
             <p:cNvPr id="18" name="사각형: 둥근 모서리 17">
               <a:extLst>
                 <a:ext uri="{FF2B5EF4-FFF2-40B4-BE49-F238E27FC236}">
-                  <a16:creationId xmlns:a16="http://schemas.microsoft.com/office/drawing/2014/main" xmlns="" id="{DFB5A772-5B76-44DF-8079-D437854A217C}"/>
+                  <a16:creationId xmlns:a16="http://schemas.microsoft.com/office/drawing/2014/main" id="{DFB5A772-5B76-44DF-8079-D437854A217C}"/>
                 </a:ext>
               </a:extLst>
             </p:cNvPr>
@@ -4708,7 +4793,7 @@
             <p:cNvPr id="19" name="사각형: 둥근 모서리 18">
               <a:extLst>
                 <a:ext uri="{FF2B5EF4-FFF2-40B4-BE49-F238E27FC236}">
-                  <a16:creationId xmlns:a16="http://schemas.microsoft.com/office/drawing/2014/main" xmlns="" id="{BF655B0C-C74C-4229-8301-4AE3CBC37AC6}"/>
+                  <a16:creationId xmlns:a16="http://schemas.microsoft.com/office/drawing/2014/main" id="{BF655B0C-C74C-4229-8301-4AE3CBC37AC6}"/>
                 </a:ext>
               </a:extLst>
             </p:cNvPr>
@@ -4758,7 +4843,7 @@
             <p:cNvPr id="20" name="사각형: 둥근 모서리 19">
               <a:extLst>
                 <a:ext uri="{FF2B5EF4-FFF2-40B4-BE49-F238E27FC236}">
-                  <a16:creationId xmlns:a16="http://schemas.microsoft.com/office/drawing/2014/main" xmlns="" id="{119E931D-3905-4D35-9BDE-BAC7DDEF9F38}"/>
+                  <a16:creationId xmlns:a16="http://schemas.microsoft.com/office/drawing/2014/main" id="{119E931D-3905-4D35-9BDE-BAC7DDEF9F38}"/>
                 </a:ext>
               </a:extLst>
             </p:cNvPr>
@@ -4809,7 +4894,7 @@
           <p:cNvPr id="21" name="그룹 20">
             <a:extLst>
               <a:ext uri="{FF2B5EF4-FFF2-40B4-BE49-F238E27FC236}">
-                <a16:creationId xmlns:a16="http://schemas.microsoft.com/office/drawing/2014/main" xmlns="" id="{CEFF2F37-6B13-442C-A4C1-4C8A9375D69B}"/>
+                <a16:creationId xmlns:a16="http://schemas.microsoft.com/office/drawing/2014/main" id="{CEFF2F37-6B13-442C-A4C1-4C8A9375D69B}"/>
               </a:ext>
             </a:extLst>
           </p:cNvPr>
@@ -4829,7 +4914,7 @@
             <p:cNvPr id="22" name="사각형: 둥근 모서리 21">
               <a:extLst>
                 <a:ext uri="{FF2B5EF4-FFF2-40B4-BE49-F238E27FC236}">
-                  <a16:creationId xmlns:a16="http://schemas.microsoft.com/office/drawing/2014/main" xmlns="" id="{214398EA-B91A-412C-B1C4-E7679CEC4763}"/>
+                  <a16:creationId xmlns:a16="http://schemas.microsoft.com/office/drawing/2014/main" id="{214398EA-B91A-412C-B1C4-E7679CEC4763}"/>
                 </a:ext>
               </a:extLst>
             </p:cNvPr>
@@ -4879,7 +4964,7 @@
             <p:cNvPr id="72" name="사각형: 둥근 모서리 71">
               <a:extLst>
                 <a:ext uri="{FF2B5EF4-FFF2-40B4-BE49-F238E27FC236}">
-                  <a16:creationId xmlns:a16="http://schemas.microsoft.com/office/drawing/2014/main" xmlns="" id="{7AD65630-A51E-4E95-918B-EE5B9343E6F0}"/>
+                  <a16:creationId xmlns:a16="http://schemas.microsoft.com/office/drawing/2014/main" id="{7AD65630-A51E-4E95-918B-EE5B9343E6F0}"/>
                 </a:ext>
               </a:extLst>
             </p:cNvPr>
@@ -4929,7 +5014,7 @@
             <p:cNvPr id="23" name="사각형: 둥근 모서리 22">
               <a:extLst>
                 <a:ext uri="{FF2B5EF4-FFF2-40B4-BE49-F238E27FC236}">
-                  <a16:creationId xmlns:a16="http://schemas.microsoft.com/office/drawing/2014/main" xmlns="" id="{D271DCCF-DA1C-4F13-9346-32B7B4528CE6}"/>
+                  <a16:creationId xmlns:a16="http://schemas.microsoft.com/office/drawing/2014/main" id="{D271DCCF-DA1C-4F13-9346-32B7B4528CE6}"/>
                 </a:ext>
               </a:extLst>
             </p:cNvPr>
@@ -4979,7 +5064,7 @@
             <p:cNvPr id="24" name="사각형: 둥근 모서리 23">
               <a:extLst>
                 <a:ext uri="{FF2B5EF4-FFF2-40B4-BE49-F238E27FC236}">
-                  <a16:creationId xmlns:a16="http://schemas.microsoft.com/office/drawing/2014/main" xmlns="" id="{741C6AE1-1D18-443D-9D65-CAC08A55C58F}"/>
+                  <a16:creationId xmlns:a16="http://schemas.microsoft.com/office/drawing/2014/main" id="{741C6AE1-1D18-443D-9D65-CAC08A55C58F}"/>
                 </a:ext>
               </a:extLst>
             </p:cNvPr>
@@ -5029,7 +5114,7 @@
             <p:cNvPr id="25" name="사각형: 둥근 모서리 24">
               <a:extLst>
                 <a:ext uri="{FF2B5EF4-FFF2-40B4-BE49-F238E27FC236}">
-                  <a16:creationId xmlns:a16="http://schemas.microsoft.com/office/drawing/2014/main" xmlns="" id="{B7534491-2259-477C-9613-D66C161F731A}"/>
+                  <a16:creationId xmlns:a16="http://schemas.microsoft.com/office/drawing/2014/main" id="{B7534491-2259-477C-9613-D66C161F731A}"/>
                 </a:ext>
               </a:extLst>
             </p:cNvPr>
@@ -5079,7 +5164,7 @@
             <p:cNvPr id="26" name="사각형: 둥근 모서리 25">
               <a:extLst>
                 <a:ext uri="{FF2B5EF4-FFF2-40B4-BE49-F238E27FC236}">
-                  <a16:creationId xmlns:a16="http://schemas.microsoft.com/office/drawing/2014/main" xmlns="" id="{133F0BBC-E636-48C0-BD08-01D7ADD55838}"/>
+                  <a16:creationId xmlns:a16="http://schemas.microsoft.com/office/drawing/2014/main" id="{133F0BBC-E636-48C0-BD08-01D7ADD55838}"/>
                 </a:ext>
               </a:extLst>
             </p:cNvPr>
@@ -5130,7 +5215,7 @@
           <p:cNvPr id="29" name="직선 연결선 28">
             <a:extLst>
               <a:ext uri="{FF2B5EF4-FFF2-40B4-BE49-F238E27FC236}">
-                <a16:creationId xmlns:a16="http://schemas.microsoft.com/office/drawing/2014/main" xmlns="" id="{37673952-6208-4E26-A892-CD7CB9044DDF}"/>
+                <a16:creationId xmlns:a16="http://schemas.microsoft.com/office/drawing/2014/main" id="{37673952-6208-4E26-A892-CD7CB9044DDF}"/>
               </a:ext>
             </a:extLst>
           </p:cNvPr>
@@ -5175,7 +5260,7 @@
           <p:cNvPr id="41" name="사각형: 둥근 모서리 40">
             <a:extLst>
               <a:ext uri="{FF2B5EF4-FFF2-40B4-BE49-F238E27FC236}">
-                <a16:creationId xmlns:a16="http://schemas.microsoft.com/office/drawing/2014/main" xmlns="" id="{E34CD5A7-CA19-4C54-96A2-571C03BC2693}"/>
+                <a16:creationId xmlns:a16="http://schemas.microsoft.com/office/drawing/2014/main" id="{E34CD5A7-CA19-4C54-96A2-571C03BC2693}"/>
               </a:ext>
             </a:extLst>
           </p:cNvPr>
@@ -5225,7 +5310,7 @@
           <p:cNvPr id="47" name="직선 연결선 46">
             <a:extLst>
               <a:ext uri="{FF2B5EF4-FFF2-40B4-BE49-F238E27FC236}">
-                <a16:creationId xmlns:a16="http://schemas.microsoft.com/office/drawing/2014/main" xmlns="" id="{717625ED-7EEC-49B2-9EFE-909A9492D76F}"/>
+                <a16:creationId xmlns:a16="http://schemas.microsoft.com/office/drawing/2014/main" id="{717625ED-7EEC-49B2-9EFE-909A9492D76F}"/>
               </a:ext>
             </a:extLst>
           </p:cNvPr>
@@ -5270,7 +5355,7 @@
           <p:cNvPr id="56" name="사각형: 둥근 모서리 55">
             <a:extLst>
               <a:ext uri="{FF2B5EF4-FFF2-40B4-BE49-F238E27FC236}">
-                <a16:creationId xmlns:a16="http://schemas.microsoft.com/office/drawing/2014/main" xmlns="" id="{3BC34F69-BA78-4258-8852-48E9FB47548F}"/>
+                <a16:creationId xmlns:a16="http://schemas.microsoft.com/office/drawing/2014/main" id="{3BC34F69-BA78-4258-8852-48E9FB47548F}"/>
               </a:ext>
             </a:extLst>
           </p:cNvPr>
@@ -5320,7 +5405,7 @@
           <p:cNvPr id="33" name="직선 연결선 32">
             <a:extLst>
               <a:ext uri="{FF2B5EF4-FFF2-40B4-BE49-F238E27FC236}">
-                <a16:creationId xmlns:a16="http://schemas.microsoft.com/office/drawing/2014/main" xmlns="" id="{37673952-6208-4E26-A892-CD7CB9044DDF}"/>
+                <a16:creationId xmlns:a16="http://schemas.microsoft.com/office/drawing/2014/main" id="{37673952-6208-4E26-A892-CD7CB9044DDF}"/>
               </a:ext>
             </a:extLst>
           </p:cNvPr>
@@ -5424,7 +5509,7 @@
           <p:cNvPr id="5" name="사각형: 둥근 모서리 4">
             <a:extLst>
               <a:ext uri="{FF2B5EF4-FFF2-40B4-BE49-F238E27FC236}">
-                <a16:creationId xmlns:a16="http://schemas.microsoft.com/office/drawing/2014/main" xmlns="" id="{E6F1D7E2-CDC9-41E1-87FA-570DFF6C90DD}"/>
+                <a16:creationId xmlns:a16="http://schemas.microsoft.com/office/drawing/2014/main" id="{E6F1D7E2-CDC9-41E1-87FA-570DFF6C90DD}"/>
               </a:ext>
             </a:extLst>
           </p:cNvPr>
@@ -5481,7 +5566,7 @@
           <p:cNvPr id="47" name="그룹 46">
             <a:extLst>
               <a:ext uri="{FF2B5EF4-FFF2-40B4-BE49-F238E27FC236}">
-                <a16:creationId xmlns:a16="http://schemas.microsoft.com/office/drawing/2014/main" xmlns="" id="{2A0AD105-1BB2-462E-A423-BC34DB45D478}"/>
+                <a16:creationId xmlns:a16="http://schemas.microsoft.com/office/drawing/2014/main" id="{2A0AD105-1BB2-462E-A423-BC34DB45D478}"/>
               </a:ext>
             </a:extLst>
           </p:cNvPr>
@@ -5501,7 +5586,7 @@
             <p:cNvPr id="20" name="사각형: 둥근 모서리 19">
               <a:extLst>
                 <a:ext uri="{FF2B5EF4-FFF2-40B4-BE49-F238E27FC236}">
-                  <a16:creationId xmlns:a16="http://schemas.microsoft.com/office/drawing/2014/main" xmlns="" id="{D5E7D9CD-7842-4DE8-875E-3380D1C0C2F6}"/>
+                  <a16:creationId xmlns:a16="http://schemas.microsoft.com/office/drawing/2014/main" id="{D5E7D9CD-7842-4DE8-875E-3380D1C0C2F6}"/>
                 </a:ext>
               </a:extLst>
             </p:cNvPr>
@@ -5551,7 +5636,7 @@
             <p:cNvPr id="22" name="사각형: 둥근 모서리 21">
               <a:extLst>
                 <a:ext uri="{FF2B5EF4-FFF2-40B4-BE49-F238E27FC236}">
-                  <a16:creationId xmlns:a16="http://schemas.microsoft.com/office/drawing/2014/main" xmlns="" id="{7ACD7017-1F4A-4185-B62A-BAF67D0CAE17}"/>
+                  <a16:creationId xmlns:a16="http://schemas.microsoft.com/office/drawing/2014/main" id="{7ACD7017-1F4A-4185-B62A-BAF67D0CAE17}"/>
                 </a:ext>
               </a:extLst>
             </p:cNvPr>
@@ -5602,7 +5687,7 @@
           <p:cNvPr id="29" name="사각형: 둥근 모서리 28">
             <a:extLst>
               <a:ext uri="{FF2B5EF4-FFF2-40B4-BE49-F238E27FC236}">
-                <a16:creationId xmlns:a16="http://schemas.microsoft.com/office/drawing/2014/main" xmlns="" id="{F8610B1D-F5F8-4C49-8298-60F2618CA127}"/>
+                <a16:creationId xmlns:a16="http://schemas.microsoft.com/office/drawing/2014/main" id="{F8610B1D-F5F8-4C49-8298-60F2618CA127}"/>
               </a:ext>
             </a:extLst>
           </p:cNvPr>
@@ -5652,7 +5737,7 @@
           <p:cNvPr id="30" name="직선 연결선 29">
             <a:extLst>
               <a:ext uri="{FF2B5EF4-FFF2-40B4-BE49-F238E27FC236}">
-                <a16:creationId xmlns:a16="http://schemas.microsoft.com/office/drawing/2014/main" xmlns="" id="{88657061-8573-4CBF-80A8-51B10C1341F8}"/>
+                <a16:creationId xmlns:a16="http://schemas.microsoft.com/office/drawing/2014/main" id="{88657061-8573-4CBF-80A8-51B10C1341F8}"/>
               </a:ext>
             </a:extLst>
           </p:cNvPr>
@@ -5697,7 +5782,7 @@
           <p:cNvPr id="31" name="사각형: 둥근 모서리 30">
             <a:extLst>
               <a:ext uri="{FF2B5EF4-FFF2-40B4-BE49-F238E27FC236}">
-                <a16:creationId xmlns:a16="http://schemas.microsoft.com/office/drawing/2014/main" xmlns="" id="{4399CB44-BED9-4DE9-A8EE-0961835F81B3}"/>
+                <a16:creationId xmlns:a16="http://schemas.microsoft.com/office/drawing/2014/main" id="{4399CB44-BED9-4DE9-A8EE-0961835F81B3}"/>
               </a:ext>
             </a:extLst>
           </p:cNvPr>
@@ -5747,7 +5832,7 @@
           <p:cNvPr id="32" name="직선 연결선 31">
             <a:extLst>
               <a:ext uri="{FF2B5EF4-FFF2-40B4-BE49-F238E27FC236}">
-                <a16:creationId xmlns:a16="http://schemas.microsoft.com/office/drawing/2014/main" xmlns="" id="{F354C78D-B711-42C5-8CD2-405CB7737732}"/>
+                <a16:creationId xmlns:a16="http://schemas.microsoft.com/office/drawing/2014/main" id="{F354C78D-B711-42C5-8CD2-405CB7737732}"/>
               </a:ext>
             </a:extLst>
           </p:cNvPr>
@@ -5792,7 +5877,7 @@
           <p:cNvPr id="48" name="그룹 47">
             <a:extLst>
               <a:ext uri="{FF2B5EF4-FFF2-40B4-BE49-F238E27FC236}">
-                <a16:creationId xmlns:a16="http://schemas.microsoft.com/office/drawing/2014/main" xmlns="" id="{5E39C621-496F-49EF-807C-5F0C89B13BFF}"/>
+                <a16:creationId xmlns:a16="http://schemas.microsoft.com/office/drawing/2014/main" id="{5E39C621-496F-49EF-807C-5F0C89B13BFF}"/>
               </a:ext>
             </a:extLst>
           </p:cNvPr>
@@ -5812,7 +5897,7 @@
             <p:cNvPr id="49" name="사각형: 둥근 모서리 48">
               <a:extLst>
                 <a:ext uri="{FF2B5EF4-FFF2-40B4-BE49-F238E27FC236}">
-                  <a16:creationId xmlns:a16="http://schemas.microsoft.com/office/drawing/2014/main" xmlns="" id="{75F9EE24-E327-413C-A6DC-21B176A00962}"/>
+                  <a16:creationId xmlns:a16="http://schemas.microsoft.com/office/drawing/2014/main" id="{75F9EE24-E327-413C-A6DC-21B176A00962}"/>
                 </a:ext>
               </a:extLst>
             </p:cNvPr>
@@ -5862,7 +5947,7 @@
             <p:cNvPr id="50" name="사각형: 둥근 모서리 49">
               <a:extLst>
                 <a:ext uri="{FF2B5EF4-FFF2-40B4-BE49-F238E27FC236}">
-                  <a16:creationId xmlns:a16="http://schemas.microsoft.com/office/drawing/2014/main" xmlns="" id="{142F996D-722D-447B-AC1F-912CA897D822}"/>
+                  <a16:creationId xmlns:a16="http://schemas.microsoft.com/office/drawing/2014/main" id="{142F996D-722D-447B-AC1F-912CA897D822}"/>
                 </a:ext>
               </a:extLst>
             </p:cNvPr>
@@ -5913,7 +5998,7 @@
           <p:cNvPr id="56" name="그룹 55">
             <a:extLst>
               <a:ext uri="{FF2B5EF4-FFF2-40B4-BE49-F238E27FC236}">
-                <a16:creationId xmlns:a16="http://schemas.microsoft.com/office/drawing/2014/main" xmlns="" id="{A34F5D4E-E5E3-4798-98C8-396C85CB1D4C}"/>
+                <a16:creationId xmlns:a16="http://schemas.microsoft.com/office/drawing/2014/main" id="{A34F5D4E-E5E3-4798-98C8-396C85CB1D4C}"/>
               </a:ext>
             </a:extLst>
           </p:cNvPr>
@@ -5933,7 +6018,7 @@
             <p:cNvPr id="57" name="사각형: 둥근 모서리 56">
               <a:extLst>
                 <a:ext uri="{FF2B5EF4-FFF2-40B4-BE49-F238E27FC236}">
-                  <a16:creationId xmlns:a16="http://schemas.microsoft.com/office/drawing/2014/main" xmlns="" id="{5F4D61AA-0C91-4B8D-BD22-F09142CB543A}"/>
+                  <a16:creationId xmlns:a16="http://schemas.microsoft.com/office/drawing/2014/main" id="{5F4D61AA-0C91-4B8D-BD22-F09142CB543A}"/>
                 </a:ext>
               </a:extLst>
             </p:cNvPr>
@@ -5983,7 +6068,7 @@
             <p:cNvPr id="58" name="사각형: 둥근 모서리 57">
               <a:extLst>
                 <a:ext uri="{FF2B5EF4-FFF2-40B4-BE49-F238E27FC236}">
-                  <a16:creationId xmlns:a16="http://schemas.microsoft.com/office/drawing/2014/main" xmlns="" id="{0B4305B5-8B02-4BB7-B9FD-700EA512FC30}"/>
+                  <a16:creationId xmlns:a16="http://schemas.microsoft.com/office/drawing/2014/main" id="{0B4305B5-8B02-4BB7-B9FD-700EA512FC30}"/>
                 </a:ext>
               </a:extLst>
             </p:cNvPr>
@@ -6034,7 +6119,7 @@
           <p:cNvPr id="59" name="사각형: 둥근 모서리 58">
             <a:extLst>
               <a:ext uri="{FF2B5EF4-FFF2-40B4-BE49-F238E27FC236}">
-                <a16:creationId xmlns:a16="http://schemas.microsoft.com/office/drawing/2014/main" xmlns="" id="{5131F40B-4C0C-4B22-9B00-840590990876}"/>
+                <a16:creationId xmlns:a16="http://schemas.microsoft.com/office/drawing/2014/main" id="{5131F40B-4C0C-4B22-9B00-840590990876}"/>
               </a:ext>
             </a:extLst>
           </p:cNvPr>
@@ -6084,7 +6169,7 @@
           <p:cNvPr id="61" name="그룹 60">
             <a:extLst>
               <a:ext uri="{FF2B5EF4-FFF2-40B4-BE49-F238E27FC236}">
-                <a16:creationId xmlns:a16="http://schemas.microsoft.com/office/drawing/2014/main" xmlns="" id="{0FDA8ED3-52C5-4352-AF66-5412B52A4206}"/>
+                <a16:creationId xmlns:a16="http://schemas.microsoft.com/office/drawing/2014/main" id="{0FDA8ED3-52C5-4352-AF66-5412B52A4206}"/>
               </a:ext>
             </a:extLst>
           </p:cNvPr>
@@ -6104,7 +6189,7 @@
             <p:cNvPr id="62" name="사각형: 둥근 모서리 61">
               <a:extLst>
                 <a:ext uri="{FF2B5EF4-FFF2-40B4-BE49-F238E27FC236}">
-                  <a16:creationId xmlns:a16="http://schemas.microsoft.com/office/drawing/2014/main" xmlns="" id="{8EC48E4B-055C-4FF9-BDA0-C080CF4307D2}"/>
+                  <a16:creationId xmlns:a16="http://schemas.microsoft.com/office/drawing/2014/main" id="{8EC48E4B-055C-4FF9-BDA0-C080CF4307D2}"/>
                 </a:ext>
               </a:extLst>
             </p:cNvPr>
@@ -6154,7 +6239,7 @@
             <p:cNvPr id="63" name="사각형: 둥근 모서리 62">
               <a:extLst>
                 <a:ext uri="{FF2B5EF4-FFF2-40B4-BE49-F238E27FC236}">
-                  <a16:creationId xmlns:a16="http://schemas.microsoft.com/office/drawing/2014/main" xmlns="" id="{F679BE58-40F2-407D-8A88-934AC09D13C2}"/>
+                  <a16:creationId xmlns:a16="http://schemas.microsoft.com/office/drawing/2014/main" id="{F679BE58-40F2-407D-8A88-934AC09D13C2}"/>
                 </a:ext>
               </a:extLst>
             </p:cNvPr>
@@ -6205,7 +6290,7 @@
           <p:cNvPr id="64" name="그룹 63">
             <a:extLst>
               <a:ext uri="{FF2B5EF4-FFF2-40B4-BE49-F238E27FC236}">
-                <a16:creationId xmlns:a16="http://schemas.microsoft.com/office/drawing/2014/main" xmlns="" id="{8F3F2A06-2E36-4109-9139-0D331362C2DA}"/>
+                <a16:creationId xmlns:a16="http://schemas.microsoft.com/office/drawing/2014/main" id="{8F3F2A06-2E36-4109-9139-0D331362C2DA}"/>
               </a:ext>
             </a:extLst>
           </p:cNvPr>
@@ -6225,7 +6310,7 @@
             <p:cNvPr id="65" name="사각형: 둥근 모서리 64">
               <a:extLst>
                 <a:ext uri="{FF2B5EF4-FFF2-40B4-BE49-F238E27FC236}">
-                  <a16:creationId xmlns:a16="http://schemas.microsoft.com/office/drawing/2014/main" xmlns="" id="{1AC69BB0-82F0-416D-BAB5-FF527163EA5C}"/>
+                  <a16:creationId xmlns:a16="http://schemas.microsoft.com/office/drawing/2014/main" id="{1AC69BB0-82F0-416D-BAB5-FF527163EA5C}"/>
                 </a:ext>
               </a:extLst>
             </p:cNvPr>
@@ -6275,7 +6360,7 @@
             <p:cNvPr id="66" name="사각형: 둥근 모서리 65">
               <a:extLst>
                 <a:ext uri="{FF2B5EF4-FFF2-40B4-BE49-F238E27FC236}">
-                  <a16:creationId xmlns:a16="http://schemas.microsoft.com/office/drawing/2014/main" xmlns="" id="{DC2B3B5B-545F-4D7A-B32F-F7216DCC44FA}"/>
+                  <a16:creationId xmlns:a16="http://schemas.microsoft.com/office/drawing/2014/main" id="{DC2B3B5B-545F-4D7A-B32F-F7216DCC44FA}"/>
                 </a:ext>
               </a:extLst>
             </p:cNvPr>
@@ -6326,7 +6411,7 @@
           <p:cNvPr id="72" name="그룹 71">
             <a:extLst>
               <a:ext uri="{FF2B5EF4-FFF2-40B4-BE49-F238E27FC236}">
-                <a16:creationId xmlns:a16="http://schemas.microsoft.com/office/drawing/2014/main" xmlns="" id="{9CC11AEE-3784-4E30-8F55-3001332D8B7A}"/>
+                <a16:creationId xmlns:a16="http://schemas.microsoft.com/office/drawing/2014/main" id="{9CC11AEE-3784-4E30-8F55-3001332D8B7A}"/>
               </a:ext>
             </a:extLst>
           </p:cNvPr>
@@ -6346,7 +6431,7 @@
             <p:cNvPr id="73" name="사각형: 둥근 모서리 72">
               <a:extLst>
                 <a:ext uri="{FF2B5EF4-FFF2-40B4-BE49-F238E27FC236}">
-                  <a16:creationId xmlns:a16="http://schemas.microsoft.com/office/drawing/2014/main" xmlns="" id="{2A62BCDE-EA99-4E37-9EC5-2150F6F0C976}"/>
+                  <a16:creationId xmlns:a16="http://schemas.microsoft.com/office/drawing/2014/main" id="{2A62BCDE-EA99-4E37-9EC5-2150F6F0C976}"/>
                 </a:ext>
               </a:extLst>
             </p:cNvPr>
@@ -6396,7 +6481,7 @@
             <p:cNvPr id="74" name="사각형: 둥근 모서리 73">
               <a:extLst>
                 <a:ext uri="{FF2B5EF4-FFF2-40B4-BE49-F238E27FC236}">
-                  <a16:creationId xmlns:a16="http://schemas.microsoft.com/office/drawing/2014/main" xmlns="" id="{62630C53-5A50-4A48-ABC3-AEB04BD170CF}"/>
+                  <a16:creationId xmlns:a16="http://schemas.microsoft.com/office/drawing/2014/main" id="{62630C53-5A50-4A48-ABC3-AEB04BD170CF}"/>
                 </a:ext>
               </a:extLst>
             </p:cNvPr>
@@ -6435,11 +6520,7 @@
               <a:pPr algn="ctr"/>
               <a:r>
                 <a:rPr lang="en-US" altLang="ko-KR" sz="1400" dirty="0"/>
-                <a:t>Service </a:t>
-              </a:r>
-              <a:r>
-                <a:rPr lang="en-US" altLang="ko-KR" sz="1400" dirty="0" smtClean="0"/>
-                <a:t>D</a:t>
+                <a:t>Service D</a:t>
               </a:r>
               <a:endParaRPr lang="ko-KR" altLang="en-US" sz="1400" dirty="0"/>
             </a:p>
@@ -6451,7 +6532,7 @@
           <p:cNvPr id="75" name="사각형: 둥근 모서리 74">
             <a:extLst>
               <a:ext uri="{FF2B5EF4-FFF2-40B4-BE49-F238E27FC236}">
-                <a16:creationId xmlns:a16="http://schemas.microsoft.com/office/drawing/2014/main" xmlns="" id="{1910FAF4-E140-437C-AD7C-CA672814CF00}"/>
+                <a16:creationId xmlns:a16="http://schemas.microsoft.com/office/drawing/2014/main" id="{1910FAF4-E140-437C-AD7C-CA672814CF00}"/>
               </a:ext>
             </a:extLst>
           </p:cNvPr>
@@ -6501,7 +6582,7 @@
           <p:cNvPr id="84" name="직선 연결선 83">
             <a:extLst>
               <a:ext uri="{FF2B5EF4-FFF2-40B4-BE49-F238E27FC236}">
-                <a16:creationId xmlns:a16="http://schemas.microsoft.com/office/drawing/2014/main" xmlns="" id="{5A8253CC-D057-4412-A64B-D6301B44EFA3}"/>
+                <a16:creationId xmlns:a16="http://schemas.microsoft.com/office/drawing/2014/main" id="{5A8253CC-D057-4412-A64B-D6301B44EFA3}"/>
               </a:ext>
             </a:extLst>
           </p:cNvPr>
@@ -6546,7 +6627,7 @@
           <p:cNvPr id="88" name="직선 연결선 87">
             <a:extLst>
               <a:ext uri="{FF2B5EF4-FFF2-40B4-BE49-F238E27FC236}">
-                <a16:creationId xmlns:a16="http://schemas.microsoft.com/office/drawing/2014/main" xmlns="" id="{885D1B63-E888-4255-B0C0-F61665CFE9A9}"/>
+                <a16:creationId xmlns:a16="http://schemas.microsoft.com/office/drawing/2014/main" id="{885D1B63-E888-4255-B0C0-F61665CFE9A9}"/>
               </a:ext>
             </a:extLst>
           </p:cNvPr>
@@ -6591,7 +6672,7 @@
           <p:cNvPr id="94" name="직선 연결선 93">
             <a:extLst>
               <a:ext uri="{FF2B5EF4-FFF2-40B4-BE49-F238E27FC236}">
-                <a16:creationId xmlns:a16="http://schemas.microsoft.com/office/drawing/2014/main" xmlns="" id="{3599F3BB-406A-4E9B-8BC8-009494CAD734}"/>
+                <a16:creationId xmlns:a16="http://schemas.microsoft.com/office/drawing/2014/main" id="{3599F3BB-406A-4E9B-8BC8-009494CAD734}"/>
               </a:ext>
             </a:extLst>
           </p:cNvPr>
@@ -6636,7 +6717,7 @@
           <p:cNvPr id="101" name="직선 연결선 100">
             <a:extLst>
               <a:ext uri="{FF2B5EF4-FFF2-40B4-BE49-F238E27FC236}">
-                <a16:creationId xmlns:a16="http://schemas.microsoft.com/office/drawing/2014/main" xmlns="" id="{DF93D229-120C-4B02-8F44-762926DBF366}"/>
+                <a16:creationId xmlns:a16="http://schemas.microsoft.com/office/drawing/2014/main" id="{DF93D229-120C-4B02-8F44-762926DBF366}"/>
               </a:ext>
             </a:extLst>
           </p:cNvPr>
@@ -6681,7 +6762,7 @@
           <p:cNvPr id="39" name="그룹 38">
             <a:extLst>
               <a:ext uri="{FF2B5EF4-FFF2-40B4-BE49-F238E27FC236}">
-                <a16:creationId xmlns:a16="http://schemas.microsoft.com/office/drawing/2014/main" xmlns="" id="{9CC11AEE-3784-4E30-8F55-3001332D8B7A}"/>
+                <a16:creationId xmlns:a16="http://schemas.microsoft.com/office/drawing/2014/main" id="{9CC11AEE-3784-4E30-8F55-3001332D8B7A}"/>
               </a:ext>
             </a:extLst>
           </p:cNvPr>
@@ -6701,7 +6782,7 @@
             <p:cNvPr id="40" name="사각형: 둥근 모서리 72">
               <a:extLst>
                 <a:ext uri="{FF2B5EF4-FFF2-40B4-BE49-F238E27FC236}">
-                  <a16:creationId xmlns:a16="http://schemas.microsoft.com/office/drawing/2014/main" xmlns="" id="{2A62BCDE-EA99-4E37-9EC5-2150F6F0C976}"/>
+                  <a16:creationId xmlns:a16="http://schemas.microsoft.com/office/drawing/2014/main" id="{2A62BCDE-EA99-4E37-9EC5-2150F6F0C976}"/>
                 </a:ext>
               </a:extLst>
             </p:cNvPr>
@@ -6751,7 +6832,7 @@
             <p:cNvPr id="41" name="사각형: 둥근 모서리 73">
               <a:extLst>
                 <a:ext uri="{FF2B5EF4-FFF2-40B4-BE49-F238E27FC236}">
-                  <a16:creationId xmlns:a16="http://schemas.microsoft.com/office/drawing/2014/main" xmlns="" id="{62630C53-5A50-4A48-ABC3-AEB04BD170CF}"/>
+                  <a16:creationId xmlns:a16="http://schemas.microsoft.com/office/drawing/2014/main" id="{62630C53-5A50-4A48-ABC3-AEB04BD170CF}"/>
                 </a:ext>
               </a:extLst>
             </p:cNvPr>
@@ -6790,11 +6871,7 @@
               <a:pPr algn="ctr"/>
               <a:r>
                 <a:rPr lang="en-US" altLang="ko-KR" sz="1400" dirty="0"/>
-                <a:t>Service </a:t>
-              </a:r>
-              <a:r>
-                <a:rPr lang="en-US" altLang="ko-KR" sz="1400" dirty="0" smtClean="0"/>
-                <a:t>D</a:t>
+                <a:t>Service D</a:t>
               </a:r>
               <a:endParaRPr lang="ko-KR" altLang="en-US" sz="1400" dirty="0"/>
             </a:p>
@@ -6806,7 +6883,7 @@
           <p:cNvPr id="44" name="그룹 43">
             <a:extLst>
               <a:ext uri="{FF2B5EF4-FFF2-40B4-BE49-F238E27FC236}">
-                <a16:creationId xmlns:a16="http://schemas.microsoft.com/office/drawing/2014/main" xmlns="" id="{9CC11AEE-3784-4E30-8F55-3001332D8B7A}"/>
+                <a16:creationId xmlns:a16="http://schemas.microsoft.com/office/drawing/2014/main" id="{9CC11AEE-3784-4E30-8F55-3001332D8B7A}"/>
               </a:ext>
             </a:extLst>
           </p:cNvPr>
@@ -6826,7 +6903,7 @@
             <p:cNvPr id="45" name="사각형: 둥근 모서리 72">
               <a:extLst>
                 <a:ext uri="{FF2B5EF4-FFF2-40B4-BE49-F238E27FC236}">
-                  <a16:creationId xmlns:a16="http://schemas.microsoft.com/office/drawing/2014/main" xmlns="" id="{2A62BCDE-EA99-4E37-9EC5-2150F6F0C976}"/>
+                  <a16:creationId xmlns:a16="http://schemas.microsoft.com/office/drawing/2014/main" id="{2A62BCDE-EA99-4E37-9EC5-2150F6F0C976}"/>
                 </a:ext>
               </a:extLst>
             </p:cNvPr>
@@ -6876,7 +6953,7 @@
             <p:cNvPr id="46" name="사각형: 둥근 모서리 73">
               <a:extLst>
                 <a:ext uri="{FF2B5EF4-FFF2-40B4-BE49-F238E27FC236}">
-                  <a16:creationId xmlns:a16="http://schemas.microsoft.com/office/drawing/2014/main" xmlns="" id="{62630C53-5A50-4A48-ABC3-AEB04BD170CF}"/>
+                  <a16:creationId xmlns:a16="http://schemas.microsoft.com/office/drawing/2014/main" id="{62630C53-5A50-4A48-ABC3-AEB04BD170CF}"/>
                 </a:ext>
               </a:extLst>
             </p:cNvPr>
@@ -6915,11 +6992,7 @@
               <a:pPr algn="ctr"/>
               <a:r>
                 <a:rPr lang="en-US" altLang="ko-KR" sz="1400" dirty="0"/>
-                <a:t>Service </a:t>
-              </a:r>
-              <a:r>
-                <a:rPr lang="en-US" altLang="ko-KR" sz="1400" dirty="0"/>
-                <a:t>C</a:t>
+                <a:t>Service C</a:t>
               </a:r>
               <a:endParaRPr lang="ko-KR" altLang="en-US" sz="1400" dirty="0"/>
             </a:p>
@@ -6931,7 +7004,7 @@
           <p:cNvPr id="68" name="직선 연결선 67">
             <a:extLst>
               <a:ext uri="{FF2B5EF4-FFF2-40B4-BE49-F238E27FC236}">
-                <a16:creationId xmlns:a16="http://schemas.microsoft.com/office/drawing/2014/main" xmlns="" id="{84AA46AF-0F27-45CF-A9E2-D9B3BDBA7CB4}"/>
+                <a16:creationId xmlns:a16="http://schemas.microsoft.com/office/drawing/2014/main" id="{84AA46AF-0F27-45CF-A9E2-D9B3BDBA7CB4}"/>
               </a:ext>
             </a:extLst>
           </p:cNvPr>
@@ -6976,7 +7049,7 @@
           <p:cNvPr id="70" name="직선 연결선 69">
             <a:extLst>
               <a:ext uri="{FF2B5EF4-FFF2-40B4-BE49-F238E27FC236}">
-                <a16:creationId xmlns:a16="http://schemas.microsoft.com/office/drawing/2014/main" xmlns="" id="{84AA46AF-0F27-45CF-A9E2-D9B3BDBA7CB4}"/>
+                <a16:creationId xmlns:a16="http://schemas.microsoft.com/office/drawing/2014/main" id="{84AA46AF-0F27-45CF-A9E2-D9B3BDBA7CB4}"/>
               </a:ext>
             </a:extLst>
           </p:cNvPr>
@@ -7021,7 +7094,7 @@
           <p:cNvPr id="82" name="직선 연결선 81">
             <a:extLst>
               <a:ext uri="{FF2B5EF4-FFF2-40B4-BE49-F238E27FC236}">
-                <a16:creationId xmlns:a16="http://schemas.microsoft.com/office/drawing/2014/main" xmlns="" id="{84AA46AF-0F27-45CF-A9E2-D9B3BDBA7CB4}"/>
+                <a16:creationId xmlns:a16="http://schemas.microsoft.com/office/drawing/2014/main" id="{84AA46AF-0F27-45CF-A9E2-D9B3BDBA7CB4}"/>
               </a:ext>
             </a:extLst>
           </p:cNvPr>
@@ -7065,6 +7138,1932 @@
     <p:extLst>
       <p:ext uri="{BB962C8B-B14F-4D97-AF65-F5344CB8AC3E}">
         <p14:creationId xmlns:p14="http://schemas.microsoft.com/office/powerpoint/2010/main" val="1216527393"/>
+      </p:ext>
+    </p:extLst>
+  </p:cSld>
+  <p:clrMapOvr>
+    <a:masterClrMapping/>
+  </p:clrMapOvr>
+</p:sld>
+</file>
+
+<file path=ppt/slides/slide4.xml><?xml version="1.0" encoding="utf-8"?>
+<p:sld xmlns:a="http://schemas.openxmlformats.org/drawingml/2006/main" xmlns:r="http://schemas.openxmlformats.org/officeDocument/2006/relationships" xmlns:p="http://schemas.openxmlformats.org/presentationml/2006/main">
+  <p:cSld>
+    <p:spTree>
+      <p:nvGrpSpPr>
+        <p:cNvPr id="1" name=""/>
+        <p:cNvGrpSpPr/>
+        <p:nvPr/>
+      </p:nvGrpSpPr>
+      <p:grpSpPr>
+        <a:xfrm>
+          <a:off x="0" y="0"/>
+          <a:ext cx="0" cy="0"/>
+          <a:chOff x="0" y="0"/>
+          <a:chExt cx="0" cy="0"/>
+        </a:xfrm>
+      </p:grpSpPr>
+      <p:sp>
+        <p:nvSpPr>
+          <p:cNvPr id="6" name="제목 1"/>
+          <p:cNvSpPr>
+            <a:spLocks noGrp="1"/>
+          </p:cNvSpPr>
+          <p:nvPr>
+            <p:ph type="title"/>
+          </p:nvPr>
+        </p:nvSpPr>
+        <p:spPr>
+          <a:xfrm>
+            <a:off x="457200" y="-164554"/>
+            <a:ext cx="8229600" cy="857250"/>
+          </a:xfrm>
+        </p:spPr>
+        <p:txBody>
+          <a:bodyPr>
+            <a:normAutofit/>
+          </a:bodyPr>
+          <a:lstStyle/>
+          <a:p>
+            <a:r>
+              <a:rPr lang="en-US" altLang="ko-KR"/>
+              <a:t>Service Type</a:t>
+            </a:r>
+            <a:endParaRPr lang="ko-KR" altLang="en-US" dirty="0"/>
+          </a:p>
+        </p:txBody>
+      </p:sp>
+      <p:grpSp>
+        <p:nvGrpSpPr>
+          <p:cNvPr id="8" name="그룹 7">
+            <a:extLst>
+              <a:ext uri="{FF2B5EF4-FFF2-40B4-BE49-F238E27FC236}">
+                <a16:creationId xmlns:a16="http://schemas.microsoft.com/office/drawing/2014/main" id="{85476290-A956-4388-8FF5-8410E5AF9EB3}"/>
+              </a:ext>
+            </a:extLst>
+          </p:cNvPr>
+          <p:cNvGrpSpPr/>
+          <p:nvPr/>
+        </p:nvGrpSpPr>
+        <p:grpSpPr>
+          <a:xfrm>
+            <a:off x="1763688" y="915566"/>
+            <a:ext cx="7272808" cy="3888432"/>
+            <a:chOff x="1187624" y="915566"/>
+            <a:chExt cx="7848872" cy="3888432"/>
+          </a:xfrm>
+        </p:grpSpPr>
+        <p:sp>
+          <p:nvSpPr>
+            <p:cNvPr id="41" name="사각형: 둥근 모서리 40">
+              <a:extLst>
+                <a:ext uri="{FF2B5EF4-FFF2-40B4-BE49-F238E27FC236}">
+                  <a16:creationId xmlns:a16="http://schemas.microsoft.com/office/drawing/2014/main" id="{E34CD5A7-CA19-4C54-96A2-571C03BC2693}"/>
+                </a:ext>
+              </a:extLst>
+            </p:cNvPr>
+            <p:cNvSpPr/>
+            <p:nvPr/>
+          </p:nvSpPr>
+          <p:spPr>
+            <a:xfrm>
+              <a:off x="1335749" y="4371950"/>
+              <a:ext cx="1143910" cy="432048"/>
+            </a:xfrm>
+            <a:prstGeom prst="roundRect">
+              <a:avLst>
+                <a:gd name="adj" fmla="val 8201"/>
+              </a:avLst>
+            </a:prstGeom>
+          </p:spPr>
+          <p:style>
+            <a:lnRef idx="2">
+              <a:schemeClr val="dk1"/>
+            </a:lnRef>
+            <a:fillRef idx="1">
+              <a:schemeClr val="lt1"/>
+            </a:fillRef>
+            <a:effectRef idx="0">
+              <a:schemeClr val="dk1"/>
+            </a:effectRef>
+            <a:fontRef idx="minor">
+              <a:schemeClr val="dk1"/>
+            </a:fontRef>
+          </p:style>
+          <p:txBody>
+            <a:bodyPr rtlCol="0" anchor="ctr"/>
+            <a:lstStyle/>
+            <a:p>
+              <a:pPr algn="ctr"/>
+              <a:r>
+                <a:rPr lang="en-US" altLang="ko-KR" sz="1400"/>
+                <a:t>Service A</a:t>
+              </a:r>
+              <a:endParaRPr lang="ko-KR" altLang="en-US" sz="1400"/>
+            </a:p>
+          </p:txBody>
+        </p:sp>
+        <p:sp>
+          <p:nvSpPr>
+            <p:cNvPr id="28" name="사각형: 둥근 모서리 27">
+              <a:extLst>
+                <a:ext uri="{FF2B5EF4-FFF2-40B4-BE49-F238E27FC236}">
+                  <a16:creationId xmlns:a16="http://schemas.microsoft.com/office/drawing/2014/main" id="{B357D660-4163-43DC-8CAB-7689112985E8}"/>
+                </a:ext>
+              </a:extLst>
+            </p:cNvPr>
+            <p:cNvSpPr/>
+            <p:nvPr/>
+          </p:nvSpPr>
+          <p:spPr>
+            <a:xfrm>
+              <a:off x="2919925" y="4371950"/>
+              <a:ext cx="1143910" cy="432048"/>
+            </a:xfrm>
+            <a:prstGeom prst="roundRect">
+              <a:avLst>
+                <a:gd name="adj" fmla="val 8201"/>
+              </a:avLst>
+            </a:prstGeom>
+          </p:spPr>
+          <p:style>
+            <a:lnRef idx="2">
+              <a:schemeClr val="dk1"/>
+            </a:lnRef>
+            <a:fillRef idx="1">
+              <a:schemeClr val="lt1"/>
+            </a:fillRef>
+            <a:effectRef idx="0">
+              <a:schemeClr val="dk1"/>
+            </a:effectRef>
+            <a:fontRef idx="minor">
+              <a:schemeClr val="dk1"/>
+            </a:fontRef>
+          </p:style>
+          <p:txBody>
+            <a:bodyPr rtlCol="0" anchor="ctr"/>
+            <a:lstStyle/>
+            <a:p>
+              <a:pPr algn="ctr"/>
+              <a:r>
+                <a:rPr lang="en-US" altLang="ko-KR" sz="1400"/>
+                <a:t>Service B</a:t>
+              </a:r>
+              <a:endParaRPr lang="ko-KR" altLang="en-US" sz="1400"/>
+            </a:p>
+          </p:txBody>
+        </p:sp>
+        <p:sp>
+          <p:nvSpPr>
+            <p:cNvPr id="30" name="사각형: 둥근 모서리 29">
+              <a:extLst>
+                <a:ext uri="{FF2B5EF4-FFF2-40B4-BE49-F238E27FC236}">
+                  <a16:creationId xmlns:a16="http://schemas.microsoft.com/office/drawing/2014/main" id="{546BE7B5-8C00-49ED-8C24-F5EBA56E178F}"/>
+                </a:ext>
+              </a:extLst>
+            </p:cNvPr>
+            <p:cNvSpPr/>
+            <p:nvPr/>
+          </p:nvSpPr>
+          <p:spPr>
+            <a:xfrm>
+              <a:off x="4508624" y="4371950"/>
+              <a:ext cx="1143910" cy="432048"/>
+            </a:xfrm>
+            <a:prstGeom prst="roundRect">
+              <a:avLst>
+                <a:gd name="adj" fmla="val 8201"/>
+              </a:avLst>
+            </a:prstGeom>
+          </p:spPr>
+          <p:style>
+            <a:lnRef idx="2">
+              <a:schemeClr val="dk1"/>
+            </a:lnRef>
+            <a:fillRef idx="1">
+              <a:schemeClr val="lt1"/>
+            </a:fillRef>
+            <a:effectRef idx="0">
+              <a:schemeClr val="dk1"/>
+            </a:effectRef>
+            <a:fontRef idx="minor">
+              <a:schemeClr val="dk1"/>
+            </a:fontRef>
+          </p:style>
+          <p:txBody>
+            <a:bodyPr rtlCol="0" anchor="ctr"/>
+            <a:lstStyle/>
+            <a:p>
+              <a:pPr algn="ctr"/>
+              <a:r>
+                <a:rPr lang="en-US" altLang="ko-KR" sz="1400"/>
+                <a:t>Service C</a:t>
+              </a:r>
+              <a:endParaRPr lang="ko-KR" altLang="en-US" sz="1400"/>
+            </a:p>
+          </p:txBody>
+        </p:sp>
+        <p:sp>
+          <p:nvSpPr>
+            <p:cNvPr id="31" name="사각형: 둥근 모서리 30">
+              <a:extLst>
+                <a:ext uri="{FF2B5EF4-FFF2-40B4-BE49-F238E27FC236}">
+                  <a16:creationId xmlns:a16="http://schemas.microsoft.com/office/drawing/2014/main" id="{B3E1F738-371C-4D06-B113-B1AA55CF6DB5}"/>
+                </a:ext>
+              </a:extLst>
+            </p:cNvPr>
+            <p:cNvSpPr/>
+            <p:nvPr/>
+          </p:nvSpPr>
+          <p:spPr>
+            <a:xfrm>
+              <a:off x="6097323" y="4371950"/>
+              <a:ext cx="1143910" cy="432048"/>
+            </a:xfrm>
+            <a:prstGeom prst="roundRect">
+              <a:avLst>
+                <a:gd name="adj" fmla="val 8201"/>
+              </a:avLst>
+            </a:prstGeom>
+          </p:spPr>
+          <p:style>
+            <a:lnRef idx="2">
+              <a:schemeClr val="dk1"/>
+            </a:lnRef>
+            <a:fillRef idx="1">
+              <a:schemeClr val="lt1"/>
+            </a:fillRef>
+            <a:effectRef idx="0">
+              <a:schemeClr val="dk1"/>
+            </a:effectRef>
+            <a:fontRef idx="minor">
+              <a:schemeClr val="dk1"/>
+            </a:fontRef>
+          </p:style>
+          <p:txBody>
+            <a:bodyPr rtlCol="0" anchor="ctr"/>
+            <a:lstStyle/>
+            <a:p>
+              <a:pPr algn="ctr"/>
+              <a:r>
+                <a:rPr lang="en-US" altLang="ko-KR" sz="1400"/>
+                <a:t>Service D</a:t>
+              </a:r>
+              <a:endParaRPr lang="ko-KR" altLang="en-US" sz="1400"/>
+            </a:p>
+          </p:txBody>
+        </p:sp>
+        <p:sp>
+          <p:nvSpPr>
+            <p:cNvPr id="32" name="사각형: 둥근 모서리 31">
+              <a:extLst>
+                <a:ext uri="{FF2B5EF4-FFF2-40B4-BE49-F238E27FC236}">
+                  <a16:creationId xmlns:a16="http://schemas.microsoft.com/office/drawing/2014/main" id="{933CB65C-2B06-4BA7-A50A-C3EB3381B4F4}"/>
+                </a:ext>
+              </a:extLst>
+            </p:cNvPr>
+            <p:cNvSpPr/>
+            <p:nvPr/>
+          </p:nvSpPr>
+          <p:spPr>
+            <a:xfrm>
+              <a:off x="7676562" y="4371950"/>
+              <a:ext cx="1143910" cy="432048"/>
+            </a:xfrm>
+            <a:prstGeom prst="roundRect">
+              <a:avLst>
+                <a:gd name="adj" fmla="val 8201"/>
+              </a:avLst>
+            </a:prstGeom>
+          </p:spPr>
+          <p:style>
+            <a:lnRef idx="2">
+              <a:schemeClr val="dk1"/>
+            </a:lnRef>
+            <a:fillRef idx="1">
+              <a:schemeClr val="lt1"/>
+            </a:fillRef>
+            <a:effectRef idx="0">
+              <a:schemeClr val="dk1"/>
+            </a:effectRef>
+            <a:fontRef idx="minor">
+              <a:schemeClr val="dk1"/>
+            </a:fontRef>
+          </p:style>
+          <p:txBody>
+            <a:bodyPr rtlCol="0" anchor="ctr"/>
+            <a:lstStyle/>
+            <a:p>
+              <a:pPr algn="ctr"/>
+              <a:r>
+                <a:rPr lang="en-US" altLang="ko-KR" sz="1400"/>
+                <a:t>Service E</a:t>
+              </a:r>
+              <a:endParaRPr lang="ko-KR" altLang="en-US" sz="1400"/>
+            </a:p>
+          </p:txBody>
+        </p:sp>
+        <p:sp>
+          <p:nvSpPr>
+            <p:cNvPr id="34" name="사각형: 둥근 모서리 33">
+              <a:extLst>
+                <a:ext uri="{FF2B5EF4-FFF2-40B4-BE49-F238E27FC236}">
+                  <a16:creationId xmlns:a16="http://schemas.microsoft.com/office/drawing/2014/main" id="{5774B820-611C-452E-A0B8-138AB419C5AD}"/>
+                </a:ext>
+              </a:extLst>
+            </p:cNvPr>
+            <p:cNvSpPr/>
+            <p:nvPr/>
+          </p:nvSpPr>
+          <p:spPr>
+            <a:xfrm>
+              <a:off x="2161619" y="3219822"/>
+              <a:ext cx="1143910" cy="432048"/>
+            </a:xfrm>
+            <a:prstGeom prst="roundRect">
+              <a:avLst>
+                <a:gd name="adj" fmla="val 8201"/>
+              </a:avLst>
+            </a:prstGeom>
+          </p:spPr>
+          <p:style>
+            <a:lnRef idx="2">
+              <a:schemeClr val="dk1"/>
+            </a:lnRef>
+            <a:fillRef idx="1">
+              <a:schemeClr val="lt1"/>
+            </a:fillRef>
+            <a:effectRef idx="0">
+              <a:schemeClr val="dk1"/>
+            </a:effectRef>
+            <a:fontRef idx="minor">
+              <a:schemeClr val="dk1"/>
+            </a:fontRef>
+          </p:style>
+          <p:txBody>
+            <a:bodyPr rtlCol="0" anchor="ctr"/>
+            <a:lstStyle/>
+            <a:p>
+              <a:pPr algn="ctr"/>
+              <a:r>
+                <a:rPr lang="en-US" altLang="ko-KR" sz="1400"/>
+                <a:t>Service 1</a:t>
+              </a:r>
+              <a:endParaRPr lang="ko-KR" altLang="en-US" sz="1400"/>
+            </a:p>
+          </p:txBody>
+        </p:sp>
+        <p:cxnSp>
+          <p:nvCxnSpPr>
+            <p:cNvPr id="3" name="직선 연결선 2">
+              <a:extLst>
+                <a:ext uri="{FF2B5EF4-FFF2-40B4-BE49-F238E27FC236}">
+                  <a16:creationId xmlns:a16="http://schemas.microsoft.com/office/drawing/2014/main" id="{F58406DD-AEA6-40B2-AB01-1330BA2F259A}"/>
+                </a:ext>
+              </a:extLst>
+            </p:cNvPr>
+            <p:cNvCxnSpPr>
+              <a:cxnSpLocks/>
+            </p:cNvCxnSpPr>
+            <p:nvPr/>
+          </p:nvCxnSpPr>
+          <p:spPr>
+            <a:xfrm>
+              <a:off x="1187624" y="4011910"/>
+              <a:ext cx="7848872" cy="0"/>
+            </a:xfrm>
+            <a:prstGeom prst="line">
+              <a:avLst/>
+            </a:prstGeom>
+            <a:ln w="28575">
+              <a:solidFill>
+                <a:schemeClr val="tx1"/>
+              </a:solidFill>
+              <a:prstDash val="dash"/>
+            </a:ln>
+          </p:spPr>
+          <p:style>
+            <a:lnRef idx="1">
+              <a:schemeClr val="accent1"/>
+            </a:lnRef>
+            <a:fillRef idx="0">
+              <a:schemeClr val="accent1"/>
+            </a:fillRef>
+            <a:effectRef idx="0">
+              <a:schemeClr val="accent1"/>
+            </a:effectRef>
+            <a:fontRef idx="minor">
+              <a:schemeClr val="tx1"/>
+            </a:fontRef>
+          </p:style>
+        </p:cxnSp>
+        <p:sp>
+          <p:nvSpPr>
+            <p:cNvPr id="36" name="사각형: 둥근 모서리 35">
+              <a:extLst>
+                <a:ext uri="{FF2B5EF4-FFF2-40B4-BE49-F238E27FC236}">
+                  <a16:creationId xmlns:a16="http://schemas.microsoft.com/office/drawing/2014/main" id="{4576B582-DD04-4C7B-BDF1-CE9D030D337A}"/>
+                </a:ext>
+              </a:extLst>
+            </p:cNvPr>
+            <p:cNvSpPr/>
+            <p:nvPr/>
+          </p:nvSpPr>
+          <p:spPr>
+            <a:xfrm>
+              <a:off x="3733305" y="3219822"/>
+              <a:ext cx="1143910" cy="432048"/>
+            </a:xfrm>
+            <a:prstGeom prst="roundRect">
+              <a:avLst>
+                <a:gd name="adj" fmla="val 8201"/>
+              </a:avLst>
+            </a:prstGeom>
+          </p:spPr>
+          <p:style>
+            <a:lnRef idx="2">
+              <a:schemeClr val="dk1"/>
+            </a:lnRef>
+            <a:fillRef idx="1">
+              <a:schemeClr val="lt1"/>
+            </a:fillRef>
+            <a:effectRef idx="0">
+              <a:schemeClr val="dk1"/>
+            </a:effectRef>
+            <a:fontRef idx="minor">
+              <a:schemeClr val="dk1"/>
+            </a:fontRef>
+          </p:style>
+          <p:txBody>
+            <a:bodyPr rtlCol="0" anchor="ctr"/>
+            <a:lstStyle/>
+            <a:p>
+              <a:pPr algn="ctr"/>
+              <a:r>
+                <a:rPr lang="en-US" altLang="ko-KR" sz="1400"/>
+                <a:t>Service 2</a:t>
+              </a:r>
+              <a:endParaRPr lang="ko-KR" altLang="en-US" sz="1400"/>
+            </a:p>
+          </p:txBody>
+        </p:sp>
+        <p:sp>
+          <p:nvSpPr>
+            <p:cNvPr id="37" name="사각형: 둥근 모서리 36">
+              <a:extLst>
+                <a:ext uri="{FF2B5EF4-FFF2-40B4-BE49-F238E27FC236}">
+                  <a16:creationId xmlns:a16="http://schemas.microsoft.com/office/drawing/2014/main" id="{2AC0A640-E9F2-4A24-A626-D43FA0DE4F2B}"/>
+                </a:ext>
+              </a:extLst>
+            </p:cNvPr>
+            <p:cNvSpPr/>
+            <p:nvPr/>
+          </p:nvSpPr>
+          <p:spPr>
+            <a:xfrm>
+              <a:off x="5304991" y="3219822"/>
+              <a:ext cx="1143910" cy="432048"/>
+            </a:xfrm>
+            <a:prstGeom prst="roundRect">
+              <a:avLst>
+                <a:gd name="adj" fmla="val 8201"/>
+              </a:avLst>
+            </a:prstGeom>
+          </p:spPr>
+          <p:style>
+            <a:lnRef idx="2">
+              <a:schemeClr val="dk1"/>
+            </a:lnRef>
+            <a:fillRef idx="1">
+              <a:schemeClr val="lt1"/>
+            </a:fillRef>
+            <a:effectRef idx="0">
+              <a:schemeClr val="dk1"/>
+            </a:effectRef>
+            <a:fontRef idx="minor">
+              <a:schemeClr val="dk1"/>
+            </a:fontRef>
+          </p:style>
+          <p:txBody>
+            <a:bodyPr rtlCol="0" anchor="ctr"/>
+            <a:lstStyle/>
+            <a:p>
+              <a:pPr algn="ctr"/>
+              <a:r>
+                <a:rPr lang="en-US" altLang="ko-KR" sz="1400"/>
+                <a:t>Service 3</a:t>
+              </a:r>
+              <a:endParaRPr lang="ko-KR" altLang="en-US" sz="1400"/>
+            </a:p>
+          </p:txBody>
+        </p:sp>
+        <p:sp>
+          <p:nvSpPr>
+            <p:cNvPr id="38" name="사각형: 둥근 모서리 37">
+              <a:extLst>
+                <a:ext uri="{FF2B5EF4-FFF2-40B4-BE49-F238E27FC236}">
+                  <a16:creationId xmlns:a16="http://schemas.microsoft.com/office/drawing/2014/main" id="{B7D15BAC-ABA8-4F7A-9035-3B2098788CB5}"/>
+                </a:ext>
+              </a:extLst>
+            </p:cNvPr>
+            <p:cNvSpPr/>
+            <p:nvPr/>
+          </p:nvSpPr>
+          <p:spPr>
+            <a:xfrm>
+              <a:off x="6876677" y="3219822"/>
+              <a:ext cx="1143910" cy="432048"/>
+            </a:xfrm>
+            <a:prstGeom prst="roundRect">
+              <a:avLst>
+                <a:gd name="adj" fmla="val 8201"/>
+              </a:avLst>
+            </a:prstGeom>
+          </p:spPr>
+          <p:style>
+            <a:lnRef idx="2">
+              <a:schemeClr val="dk1"/>
+            </a:lnRef>
+            <a:fillRef idx="1">
+              <a:schemeClr val="lt1"/>
+            </a:fillRef>
+            <a:effectRef idx="0">
+              <a:schemeClr val="dk1"/>
+            </a:effectRef>
+            <a:fontRef idx="minor">
+              <a:schemeClr val="dk1"/>
+            </a:fontRef>
+          </p:style>
+          <p:txBody>
+            <a:bodyPr rtlCol="0" anchor="ctr"/>
+            <a:lstStyle/>
+            <a:p>
+              <a:pPr algn="ctr"/>
+              <a:r>
+                <a:rPr lang="en-US" altLang="ko-KR" sz="1400"/>
+                <a:t>Service 4</a:t>
+              </a:r>
+              <a:endParaRPr lang="ko-KR" altLang="en-US" sz="1400"/>
+            </a:p>
+          </p:txBody>
+        </p:sp>
+        <p:cxnSp>
+          <p:nvCxnSpPr>
+            <p:cNvPr id="39" name="직선 연결선 38">
+              <a:extLst>
+                <a:ext uri="{FF2B5EF4-FFF2-40B4-BE49-F238E27FC236}">
+                  <a16:creationId xmlns:a16="http://schemas.microsoft.com/office/drawing/2014/main" id="{E9500A6C-6767-4FD2-BEB7-7FE37F5AEB67}"/>
+                </a:ext>
+              </a:extLst>
+            </p:cNvPr>
+            <p:cNvCxnSpPr>
+              <a:cxnSpLocks/>
+            </p:cNvCxnSpPr>
+            <p:nvPr/>
+          </p:nvCxnSpPr>
+          <p:spPr>
+            <a:xfrm>
+              <a:off x="1187624" y="2859782"/>
+              <a:ext cx="7848872" cy="0"/>
+            </a:xfrm>
+            <a:prstGeom prst="line">
+              <a:avLst/>
+            </a:prstGeom>
+            <a:ln w="28575">
+              <a:solidFill>
+                <a:schemeClr val="tx1"/>
+              </a:solidFill>
+              <a:prstDash val="dash"/>
+            </a:ln>
+          </p:spPr>
+          <p:style>
+            <a:lnRef idx="1">
+              <a:schemeClr val="accent1"/>
+            </a:lnRef>
+            <a:fillRef idx="0">
+              <a:schemeClr val="accent1"/>
+            </a:fillRef>
+            <a:effectRef idx="0">
+              <a:schemeClr val="accent1"/>
+            </a:effectRef>
+            <a:fontRef idx="minor">
+              <a:schemeClr val="tx1"/>
+            </a:fontRef>
+          </p:style>
+        </p:cxnSp>
+        <p:sp>
+          <p:nvSpPr>
+            <p:cNvPr id="40" name="사각형: 둥근 모서리 39">
+              <a:extLst>
+                <a:ext uri="{FF2B5EF4-FFF2-40B4-BE49-F238E27FC236}">
+                  <a16:creationId xmlns:a16="http://schemas.microsoft.com/office/drawing/2014/main" id="{DF9D9707-9161-4091-BF13-658C26C5DDBB}"/>
+                </a:ext>
+              </a:extLst>
+            </p:cNvPr>
+            <p:cNvSpPr/>
+            <p:nvPr/>
+          </p:nvSpPr>
+          <p:spPr>
+            <a:xfrm>
+              <a:off x="2161619" y="2067694"/>
+              <a:ext cx="1402270" cy="432048"/>
+            </a:xfrm>
+            <a:prstGeom prst="roundRect">
+              <a:avLst>
+                <a:gd name="adj" fmla="val 8201"/>
+              </a:avLst>
+            </a:prstGeom>
+          </p:spPr>
+          <p:style>
+            <a:lnRef idx="2">
+              <a:schemeClr val="dk1"/>
+            </a:lnRef>
+            <a:fillRef idx="1">
+              <a:schemeClr val="lt1"/>
+            </a:fillRef>
+            <a:effectRef idx="0">
+              <a:schemeClr val="dk1"/>
+            </a:effectRef>
+            <a:fontRef idx="minor">
+              <a:schemeClr val="dk1"/>
+            </a:fontRef>
+          </p:style>
+          <p:txBody>
+            <a:bodyPr rtlCol="0" anchor="ctr"/>
+            <a:lstStyle/>
+            <a:p>
+              <a:pPr algn="ctr"/>
+              <a:r>
+                <a:rPr lang="en-US" altLang="ko-KR" sz="1400"/>
+                <a:t>API Service 1</a:t>
+              </a:r>
+              <a:endParaRPr lang="ko-KR" altLang="en-US" sz="1400"/>
+            </a:p>
+          </p:txBody>
+        </p:sp>
+        <p:sp>
+          <p:nvSpPr>
+            <p:cNvPr id="45" name="사각형: 둥근 모서리 44">
+              <a:extLst>
+                <a:ext uri="{FF2B5EF4-FFF2-40B4-BE49-F238E27FC236}">
+                  <a16:creationId xmlns:a16="http://schemas.microsoft.com/office/drawing/2014/main" id="{28D53D95-9AE6-47CC-8076-1302F80ED52F}"/>
+                </a:ext>
+              </a:extLst>
+            </p:cNvPr>
+            <p:cNvSpPr/>
+            <p:nvPr/>
+          </p:nvSpPr>
+          <p:spPr>
+            <a:xfrm>
+              <a:off x="4410925" y="2067694"/>
+              <a:ext cx="1402270" cy="432048"/>
+            </a:xfrm>
+            <a:prstGeom prst="roundRect">
+              <a:avLst>
+                <a:gd name="adj" fmla="val 8201"/>
+              </a:avLst>
+            </a:prstGeom>
+          </p:spPr>
+          <p:style>
+            <a:lnRef idx="2">
+              <a:schemeClr val="dk1"/>
+            </a:lnRef>
+            <a:fillRef idx="1">
+              <a:schemeClr val="lt1"/>
+            </a:fillRef>
+            <a:effectRef idx="0">
+              <a:schemeClr val="dk1"/>
+            </a:effectRef>
+            <a:fontRef idx="minor">
+              <a:schemeClr val="dk1"/>
+            </a:fontRef>
+          </p:style>
+          <p:txBody>
+            <a:bodyPr rtlCol="0" anchor="ctr"/>
+            <a:lstStyle/>
+            <a:p>
+              <a:pPr algn="ctr"/>
+              <a:r>
+                <a:rPr lang="en-US" altLang="ko-KR" sz="1400"/>
+                <a:t>API Service 2</a:t>
+              </a:r>
+              <a:endParaRPr lang="ko-KR" altLang="en-US" sz="1400"/>
+            </a:p>
+          </p:txBody>
+        </p:sp>
+        <p:sp>
+          <p:nvSpPr>
+            <p:cNvPr id="46" name="사각형: 둥근 모서리 45">
+              <a:extLst>
+                <a:ext uri="{FF2B5EF4-FFF2-40B4-BE49-F238E27FC236}">
+                  <a16:creationId xmlns:a16="http://schemas.microsoft.com/office/drawing/2014/main" id="{F6746D1F-2AC3-475D-8F79-88D664AFDA2E}"/>
+                </a:ext>
+              </a:extLst>
+            </p:cNvPr>
+            <p:cNvSpPr/>
+            <p:nvPr/>
+          </p:nvSpPr>
+          <p:spPr>
+            <a:xfrm>
+              <a:off x="6618317" y="2067694"/>
+              <a:ext cx="1402270" cy="432048"/>
+            </a:xfrm>
+            <a:prstGeom prst="roundRect">
+              <a:avLst>
+                <a:gd name="adj" fmla="val 8201"/>
+              </a:avLst>
+            </a:prstGeom>
+          </p:spPr>
+          <p:style>
+            <a:lnRef idx="2">
+              <a:schemeClr val="dk1"/>
+            </a:lnRef>
+            <a:fillRef idx="1">
+              <a:schemeClr val="lt1"/>
+            </a:fillRef>
+            <a:effectRef idx="0">
+              <a:schemeClr val="dk1"/>
+            </a:effectRef>
+            <a:fontRef idx="minor">
+              <a:schemeClr val="dk1"/>
+            </a:fontRef>
+          </p:style>
+          <p:txBody>
+            <a:bodyPr rtlCol="0" anchor="ctr"/>
+            <a:lstStyle/>
+            <a:p>
+              <a:pPr algn="ctr"/>
+              <a:r>
+                <a:rPr lang="en-US" altLang="ko-KR" sz="1400"/>
+                <a:t>API Service 3</a:t>
+              </a:r>
+              <a:endParaRPr lang="ko-KR" altLang="en-US" sz="1400"/>
+            </a:p>
+          </p:txBody>
+        </p:sp>
+        <p:cxnSp>
+          <p:nvCxnSpPr>
+            <p:cNvPr id="48" name="직선 연결선 47">
+              <a:extLst>
+                <a:ext uri="{FF2B5EF4-FFF2-40B4-BE49-F238E27FC236}">
+                  <a16:creationId xmlns:a16="http://schemas.microsoft.com/office/drawing/2014/main" id="{4A04B10D-64FB-402D-920D-71DA051B18AC}"/>
+                </a:ext>
+              </a:extLst>
+            </p:cNvPr>
+            <p:cNvCxnSpPr>
+              <a:cxnSpLocks/>
+            </p:cNvCxnSpPr>
+            <p:nvPr/>
+          </p:nvCxnSpPr>
+          <p:spPr>
+            <a:xfrm>
+              <a:off x="1187624" y="1707654"/>
+              <a:ext cx="7848872" cy="0"/>
+            </a:xfrm>
+            <a:prstGeom prst="line">
+              <a:avLst/>
+            </a:prstGeom>
+            <a:ln w="28575">
+              <a:solidFill>
+                <a:schemeClr val="tx1"/>
+              </a:solidFill>
+              <a:prstDash val="dash"/>
+            </a:ln>
+          </p:spPr>
+          <p:style>
+            <a:lnRef idx="1">
+              <a:schemeClr val="accent1"/>
+            </a:lnRef>
+            <a:fillRef idx="0">
+              <a:schemeClr val="accent1"/>
+            </a:fillRef>
+            <a:effectRef idx="0">
+              <a:schemeClr val="accent1"/>
+            </a:effectRef>
+            <a:fontRef idx="minor">
+              <a:schemeClr val="tx1"/>
+            </a:fontRef>
+          </p:style>
+        </p:cxnSp>
+        <p:sp>
+          <p:nvSpPr>
+            <p:cNvPr id="49" name="사각형: 둥근 모서리 48">
+              <a:extLst>
+                <a:ext uri="{FF2B5EF4-FFF2-40B4-BE49-F238E27FC236}">
+                  <a16:creationId xmlns:a16="http://schemas.microsoft.com/office/drawing/2014/main" id="{62285F26-487E-4F8D-8BAB-6648422C3609}"/>
+                </a:ext>
+              </a:extLst>
+            </p:cNvPr>
+            <p:cNvSpPr/>
+            <p:nvPr/>
+          </p:nvSpPr>
+          <p:spPr>
+            <a:xfrm>
+              <a:off x="2161619" y="915566"/>
+              <a:ext cx="1402270" cy="432048"/>
+            </a:xfrm>
+            <a:prstGeom prst="roundRect">
+              <a:avLst>
+                <a:gd name="adj" fmla="val 8201"/>
+              </a:avLst>
+            </a:prstGeom>
+          </p:spPr>
+          <p:style>
+            <a:lnRef idx="2">
+              <a:schemeClr val="dk1"/>
+            </a:lnRef>
+            <a:fillRef idx="1">
+              <a:schemeClr val="lt1"/>
+            </a:fillRef>
+            <a:effectRef idx="0">
+              <a:schemeClr val="dk1"/>
+            </a:effectRef>
+            <a:fontRef idx="minor">
+              <a:schemeClr val="dk1"/>
+            </a:fontRef>
+          </p:style>
+          <p:txBody>
+            <a:bodyPr rtlCol="0" anchor="ctr"/>
+            <a:lstStyle/>
+            <a:p>
+              <a:pPr algn="ctr"/>
+              <a:r>
+                <a:rPr lang="en-US" altLang="ko-KR" sz="1400"/>
+                <a:t>App</a:t>
+              </a:r>
+              <a:endParaRPr lang="ko-KR" altLang="en-US" sz="1400"/>
+            </a:p>
+          </p:txBody>
+        </p:sp>
+        <p:sp>
+          <p:nvSpPr>
+            <p:cNvPr id="50" name="사각형: 둥근 모서리 49">
+              <a:extLst>
+                <a:ext uri="{FF2B5EF4-FFF2-40B4-BE49-F238E27FC236}">
+                  <a16:creationId xmlns:a16="http://schemas.microsoft.com/office/drawing/2014/main" id="{A360385F-B8CC-4B79-8E1B-CADA7383E7C0}"/>
+                </a:ext>
+              </a:extLst>
+            </p:cNvPr>
+            <p:cNvSpPr/>
+            <p:nvPr/>
+          </p:nvSpPr>
+          <p:spPr>
+            <a:xfrm>
+              <a:off x="4410925" y="915566"/>
+              <a:ext cx="1402270" cy="432048"/>
+            </a:xfrm>
+            <a:prstGeom prst="roundRect">
+              <a:avLst>
+                <a:gd name="adj" fmla="val 8201"/>
+              </a:avLst>
+            </a:prstGeom>
+          </p:spPr>
+          <p:style>
+            <a:lnRef idx="2">
+              <a:schemeClr val="dk1"/>
+            </a:lnRef>
+            <a:fillRef idx="1">
+              <a:schemeClr val="lt1"/>
+            </a:fillRef>
+            <a:effectRef idx="0">
+              <a:schemeClr val="dk1"/>
+            </a:effectRef>
+            <a:fontRef idx="minor">
+              <a:schemeClr val="dk1"/>
+            </a:fontRef>
+          </p:style>
+          <p:txBody>
+            <a:bodyPr rtlCol="0" anchor="ctr"/>
+            <a:lstStyle/>
+            <a:p>
+              <a:pPr algn="ctr"/>
+              <a:r>
+                <a:rPr lang="en-US" altLang="ko-KR" sz="1400"/>
+                <a:t>App</a:t>
+              </a:r>
+              <a:endParaRPr lang="ko-KR" altLang="en-US" sz="1400"/>
+            </a:p>
+          </p:txBody>
+        </p:sp>
+        <p:sp>
+          <p:nvSpPr>
+            <p:cNvPr id="51" name="사각형: 둥근 모서리 50">
+              <a:extLst>
+                <a:ext uri="{FF2B5EF4-FFF2-40B4-BE49-F238E27FC236}">
+                  <a16:creationId xmlns:a16="http://schemas.microsoft.com/office/drawing/2014/main" id="{D4E1DA45-16AF-424C-A715-DACF0B07B20C}"/>
+                </a:ext>
+              </a:extLst>
+            </p:cNvPr>
+            <p:cNvSpPr/>
+            <p:nvPr/>
+          </p:nvSpPr>
+          <p:spPr>
+            <a:xfrm>
+              <a:off x="6618317" y="915566"/>
+              <a:ext cx="1402270" cy="432048"/>
+            </a:xfrm>
+            <a:prstGeom prst="roundRect">
+              <a:avLst>
+                <a:gd name="adj" fmla="val 8201"/>
+              </a:avLst>
+            </a:prstGeom>
+          </p:spPr>
+          <p:style>
+            <a:lnRef idx="2">
+              <a:schemeClr val="dk1"/>
+            </a:lnRef>
+            <a:fillRef idx="1">
+              <a:schemeClr val="lt1"/>
+            </a:fillRef>
+            <a:effectRef idx="0">
+              <a:schemeClr val="dk1"/>
+            </a:effectRef>
+            <a:fontRef idx="minor">
+              <a:schemeClr val="dk1"/>
+            </a:fontRef>
+          </p:style>
+          <p:txBody>
+            <a:bodyPr rtlCol="0" anchor="ctr"/>
+            <a:lstStyle/>
+            <a:p>
+              <a:pPr algn="ctr"/>
+              <a:r>
+                <a:rPr lang="en-US" altLang="ko-KR" sz="1400"/>
+                <a:t>App</a:t>
+              </a:r>
+              <a:endParaRPr lang="ko-KR" altLang="en-US" sz="1400"/>
+            </a:p>
+          </p:txBody>
+        </p:sp>
+      </p:grpSp>
+      <p:sp>
+        <p:nvSpPr>
+          <p:cNvPr id="52" name="TextBox 51">
+            <a:extLst>
+              <a:ext uri="{FF2B5EF4-FFF2-40B4-BE49-F238E27FC236}">
+                <a16:creationId xmlns:a16="http://schemas.microsoft.com/office/drawing/2014/main" id="{3BD9235A-9DC9-4D17-9BBC-CD2E2ADA18C3}"/>
+              </a:ext>
+            </a:extLst>
+          </p:cNvPr>
+          <p:cNvSpPr txBox="1"/>
+          <p:nvPr/>
+        </p:nvSpPr>
+        <p:spPr>
+          <a:xfrm>
+            <a:off x="482759" y="977701"/>
+            <a:ext cx="1083808" cy="307777"/>
+          </a:xfrm>
+          <a:prstGeom prst="rect">
+            <a:avLst/>
+          </a:prstGeom>
+          <a:noFill/>
+        </p:spPr>
+        <p:txBody>
+          <a:bodyPr wrap="square" rtlCol="0">
+            <a:spAutoFit/>
+          </a:bodyPr>
+          <a:lstStyle/>
+          <a:p>
+            <a:pPr algn="ctr"/>
+            <a:r>
+              <a:rPr lang="en-US" altLang="ko-KR" sz="1400"/>
+              <a:t>App</a:t>
+            </a:r>
+          </a:p>
+        </p:txBody>
+      </p:sp>
+      <p:sp>
+        <p:nvSpPr>
+          <p:cNvPr id="53" name="TextBox 52">
+            <a:extLst>
+              <a:ext uri="{FF2B5EF4-FFF2-40B4-BE49-F238E27FC236}">
+                <a16:creationId xmlns:a16="http://schemas.microsoft.com/office/drawing/2014/main" id="{533209A6-F15F-4A93-A362-31D19C4332A3}"/>
+              </a:ext>
+            </a:extLst>
+          </p:cNvPr>
+          <p:cNvSpPr txBox="1"/>
+          <p:nvPr/>
+        </p:nvSpPr>
+        <p:spPr>
+          <a:xfrm>
+            <a:off x="323528" y="2022108"/>
+            <a:ext cx="1402270" cy="523220"/>
+          </a:xfrm>
+          <a:prstGeom prst="rect">
+            <a:avLst/>
+          </a:prstGeom>
+          <a:noFill/>
+        </p:spPr>
+        <p:txBody>
+          <a:bodyPr wrap="square" rtlCol="0">
+            <a:spAutoFit/>
+          </a:bodyPr>
+          <a:lstStyle/>
+          <a:p>
+            <a:pPr algn="ctr"/>
+            <a:r>
+              <a:rPr lang="en-US" altLang="ko-KR" sz="1400"/>
+              <a:t>API Services/</a:t>
+            </a:r>
+          </a:p>
+          <a:p>
+            <a:pPr algn="ctr"/>
+            <a:r>
+              <a:rPr lang="en-US" altLang="ko-KR" sz="1400"/>
+              <a:t>Edge Services</a:t>
+            </a:r>
+          </a:p>
+        </p:txBody>
+      </p:sp>
+      <p:sp>
+        <p:nvSpPr>
+          <p:cNvPr id="54" name="TextBox 53">
+            <a:extLst>
+              <a:ext uri="{FF2B5EF4-FFF2-40B4-BE49-F238E27FC236}">
+                <a16:creationId xmlns:a16="http://schemas.microsoft.com/office/drawing/2014/main" id="{660AE5E3-3446-4EE9-B554-212B03C44F69}"/>
+              </a:ext>
+            </a:extLst>
+          </p:cNvPr>
+          <p:cNvSpPr txBox="1"/>
+          <p:nvPr/>
+        </p:nvSpPr>
+        <p:spPr>
+          <a:xfrm>
+            <a:off x="141622" y="4326364"/>
+            <a:ext cx="1766082" cy="523220"/>
+          </a:xfrm>
+          <a:prstGeom prst="rect">
+            <a:avLst/>
+          </a:prstGeom>
+          <a:noFill/>
+        </p:spPr>
+        <p:txBody>
+          <a:bodyPr wrap="square" rtlCol="0">
+            <a:spAutoFit/>
+          </a:bodyPr>
+          <a:lstStyle/>
+          <a:p>
+            <a:pPr algn="ctr"/>
+            <a:r>
+              <a:rPr lang="en-US" altLang="ko-KR" sz="1400"/>
+              <a:t>Core Services/</a:t>
+            </a:r>
+          </a:p>
+          <a:p>
+            <a:pPr algn="ctr"/>
+            <a:r>
+              <a:rPr lang="en-US" altLang="ko-KR" sz="1400"/>
+              <a:t>Atomic Services</a:t>
+            </a:r>
+          </a:p>
+        </p:txBody>
+      </p:sp>
+      <p:sp>
+        <p:nvSpPr>
+          <p:cNvPr id="55" name="TextBox 54">
+            <a:extLst>
+              <a:ext uri="{FF2B5EF4-FFF2-40B4-BE49-F238E27FC236}">
+                <a16:creationId xmlns:a16="http://schemas.microsoft.com/office/drawing/2014/main" id="{C31DFB74-2386-4FA9-BC78-B6112E672117}"/>
+              </a:ext>
+            </a:extLst>
+          </p:cNvPr>
+          <p:cNvSpPr txBox="1"/>
+          <p:nvPr/>
+        </p:nvSpPr>
+        <p:spPr>
+          <a:xfrm>
+            <a:off x="76377" y="3170465"/>
+            <a:ext cx="1896572" cy="523220"/>
+          </a:xfrm>
+          <a:prstGeom prst="rect">
+            <a:avLst/>
+          </a:prstGeom>
+          <a:noFill/>
+        </p:spPr>
+        <p:txBody>
+          <a:bodyPr wrap="square" rtlCol="0">
+            <a:spAutoFit/>
+          </a:bodyPr>
+          <a:lstStyle/>
+          <a:p>
+            <a:pPr algn="ctr"/>
+            <a:r>
+              <a:rPr lang="en-US" altLang="ko-KR" sz="1400"/>
+              <a:t>Composite Services/</a:t>
+            </a:r>
+          </a:p>
+          <a:p>
+            <a:pPr algn="ctr"/>
+            <a:r>
+              <a:rPr lang="en-US" altLang="ko-KR" sz="1400"/>
+              <a:t>Integration Services</a:t>
+            </a:r>
+          </a:p>
+        </p:txBody>
+      </p:sp>
+      <p:cxnSp>
+        <p:nvCxnSpPr>
+          <p:cNvPr id="27" name="직선 화살표 연결선 26">
+            <a:extLst>
+              <a:ext uri="{FF2B5EF4-FFF2-40B4-BE49-F238E27FC236}">
+                <a16:creationId xmlns:a16="http://schemas.microsoft.com/office/drawing/2014/main" id="{F566739A-DE50-4183-A7CA-987851090AB5}"/>
+              </a:ext>
+            </a:extLst>
+          </p:cNvPr>
+          <p:cNvCxnSpPr>
+            <a:stCxn id="49" idx="2"/>
+            <a:endCxn id="40" idx="0"/>
+          </p:cNvCxnSpPr>
+          <p:nvPr/>
+        </p:nvCxnSpPr>
+        <p:spPr>
+          <a:xfrm>
+            <a:off x="3315873" y="1347614"/>
+            <a:ext cx="0" cy="720080"/>
+          </a:xfrm>
+          <a:prstGeom prst="straightConnector1">
+            <a:avLst/>
+          </a:prstGeom>
+          <a:ln w="28575">
+            <a:solidFill>
+              <a:schemeClr val="tx1"/>
+            </a:solidFill>
+            <a:headEnd type="none" w="med" len="med"/>
+            <a:tailEnd type="arrow" w="med" len="med"/>
+          </a:ln>
+        </p:spPr>
+        <p:style>
+          <a:lnRef idx="1">
+            <a:schemeClr val="accent1"/>
+          </a:lnRef>
+          <a:fillRef idx="0">
+            <a:schemeClr val="accent1"/>
+          </a:fillRef>
+          <a:effectRef idx="0">
+            <a:schemeClr val="accent1"/>
+          </a:effectRef>
+          <a:fontRef idx="minor">
+            <a:schemeClr val="tx1"/>
+          </a:fontRef>
+        </p:style>
+      </p:cxnSp>
+      <p:cxnSp>
+        <p:nvCxnSpPr>
+          <p:cNvPr id="57" name="직선 화살표 연결선 56">
+            <a:extLst>
+              <a:ext uri="{FF2B5EF4-FFF2-40B4-BE49-F238E27FC236}">
+                <a16:creationId xmlns:a16="http://schemas.microsoft.com/office/drawing/2014/main" id="{788D6A2C-D85B-45C6-BD70-A95AA275AE74}"/>
+              </a:ext>
+            </a:extLst>
+          </p:cNvPr>
+          <p:cNvCxnSpPr>
+            <a:cxnSpLocks/>
+            <a:stCxn id="40" idx="2"/>
+            <a:endCxn id="34" idx="0"/>
+          </p:cNvCxnSpPr>
+          <p:nvPr/>
+        </p:nvCxnSpPr>
+        <p:spPr>
+          <a:xfrm flipH="1">
+            <a:off x="3196174" y="2499742"/>
+            <a:ext cx="119699" cy="720080"/>
+          </a:xfrm>
+          <a:prstGeom prst="straightConnector1">
+            <a:avLst/>
+          </a:prstGeom>
+          <a:ln w="28575">
+            <a:solidFill>
+              <a:schemeClr val="tx1"/>
+            </a:solidFill>
+            <a:headEnd type="none" w="med" len="med"/>
+            <a:tailEnd type="arrow" w="med" len="med"/>
+          </a:ln>
+        </p:spPr>
+        <p:style>
+          <a:lnRef idx="1">
+            <a:schemeClr val="accent1"/>
+          </a:lnRef>
+          <a:fillRef idx="0">
+            <a:schemeClr val="accent1"/>
+          </a:fillRef>
+          <a:effectRef idx="0">
+            <a:schemeClr val="accent1"/>
+          </a:effectRef>
+          <a:fontRef idx="minor">
+            <a:schemeClr val="tx1"/>
+          </a:fontRef>
+        </p:style>
+      </p:cxnSp>
+      <p:cxnSp>
+        <p:nvCxnSpPr>
+          <p:cNvPr id="60" name="직선 화살표 연결선 59">
+            <a:extLst>
+              <a:ext uri="{FF2B5EF4-FFF2-40B4-BE49-F238E27FC236}">
+                <a16:creationId xmlns:a16="http://schemas.microsoft.com/office/drawing/2014/main" id="{AE775245-828C-4A5A-B69F-CDAED47F6DF6}"/>
+              </a:ext>
+            </a:extLst>
+          </p:cNvPr>
+          <p:cNvCxnSpPr>
+            <a:cxnSpLocks/>
+            <a:stCxn id="40" idx="2"/>
+            <a:endCxn id="36" idx="0"/>
+          </p:cNvCxnSpPr>
+          <p:nvPr/>
+        </p:nvCxnSpPr>
+        <p:spPr>
+          <a:xfrm>
+            <a:off x="3315873" y="2499742"/>
+            <a:ext cx="1336634" cy="720080"/>
+          </a:xfrm>
+          <a:prstGeom prst="straightConnector1">
+            <a:avLst/>
+          </a:prstGeom>
+          <a:ln w="28575">
+            <a:solidFill>
+              <a:schemeClr val="tx1"/>
+            </a:solidFill>
+            <a:headEnd type="none" w="med" len="med"/>
+            <a:tailEnd type="arrow" w="med" len="med"/>
+          </a:ln>
+        </p:spPr>
+        <p:style>
+          <a:lnRef idx="1">
+            <a:schemeClr val="accent1"/>
+          </a:lnRef>
+          <a:fillRef idx="0">
+            <a:schemeClr val="accent1"/>
+          </a:fillRef>
+          <a:effectRef idx="0">
+            <a:schemeClr val="accent1"/>
+          </a:effectRef>
+          <a:fontRef idx="minor">
+            <a:schemeClr val="tx1"/>
+          </a:fontRef>
+        </p:style>
+      </p:cxnSp>
+      <p:cxnSp>
+        <p:nvCxnSpPr>
+          <p:cNvPr id="63" name="직선 화살표 연결선 62">
+            <a:extLst>
+              <a:ext uri="{FF2B5EF4-FFF2-40B4-BE49-F238E27FC236}">
+                <a16:creationId xmlns:a16="http://schemas.microsoft.com/office/drawing/2014/main" id="{C200887A-20A8-4204-AE69-A3F8D53F87EC}"/>
+              </a:ext>
+            </a:extLst>
+          </p:cNvPr>
+          <p:cNvCxnSpPr>
+            <a:cxnSpLocks/>
+            <a:stCxn id="50" idx="2"/>
+            <a:endCxn id="45" idx="0"/>
+          </p:cNvCxnSpPr>
+          <p:nvPr/>
+        </p:nvCxnSpPr>
+        <p:spPr>
+          <a:xfrm>
+            <a:off x="5400092" y="1347614"/>
+            <a:ext cx="0" cy="720080"/>
+          </a:xfrm>
+          <a:prstGeom prst="straightConnector1">
+            <a:avLst/>
+          </a:prstGeom>
+          <a:ln w="28575">
+            <a:solidFill>
+              <a:schemeClr val="tx1"/>
+            </a:solidFill>
+            <a:headEnd type="none" w="med" len="med"/>
+            <a:tailEnd type="arrow" w="med" len="med"/>
+          </a:ln>
+        </p:spPr>
+        <p:style>
+          <a:lnRef idx="1">
+            <a:schemeClr val="accent1"/>
+          </a:lnRef>
+          <a:fillRef idx="0">
+            <a:schemeClr val="accent1"/>
+          </a:fillRef>
+          <a:effectRef idx="0">
+            <a:schemeClr val="accent1"/>
+          </a:effectRef>
+          <a:fontRef idx="minor">
+            <a:schemeClr val="tx1"/>
+          </a:fontRef>
+        </p:style>
+      </p:cxnSp>
+      <p:cxnSp>
+        <p:nvCxnSpPr>
+          <p:cNvPr id="66" name="직선 화살표 연결선 65">
+            <a:extLst>
+              <a:ext uri="{FF2B5EF4-FFF2-40B4-BE49-F238E27FC236}">
+                <a16:creationId xmlns:a16="http://schemas.microsoft.com/office/drawing/2014/main" id="{DB3328DE-CB06-4767-83F3-22AEECB9DE40}"/>
+              </a:ext>
+            </a:extLst>
+          </p:cNvPr>
+          <p:cNvCxnSpPr>
+            <a:cxnSpLocks/>
+            <a:stCxn id="51" idx="2"/>
+            <a:endCxn id="46" idx="0"/>
+          </p:cNvCxnSpPr>
+          <p:nvPr/>
+        </p:nvCxnSpPr>
+        <p:spPr>
+          <a:xfrm>
+            <a:off x="7445474" y="1347614"/>
+            <a:ext cx="0" cy="720080"/>
+          </a:xfrm>
+          <a:prstGeom prst="straightConnector1">
+            <a:avLst/>
+          </a:prstGeom>
+          <a:ln w="28575">
+            <a:solidFill>
+              <a:schemeClr val="tx1"/>
+            </a:solidFill>
+            <a:headEnd type="none" w="med" len="med"/>
+            <a:tailEnd type="arrow" w="med" len="med"/>
+          </a:ln>
+        </p:spPr>
+        <p:style>
+          <a:lnRef idx="1">
+            <a:schemeClr val="accent1"/>
+          </a:lnRef>
+          <a:fillRef idx="0">
+            <a:schemeClr val="accent1"/>
+          </a:fillRef>
+          <a:effectRef idx="0">
+            <a:schemeClr val="accent1"/>
+          </a:effectRef>
+          <a:fontRef idx="minor">
+            <a:schemeClr val="tx1"/>
+          </a:fontRef>
+        </p:style>
+      </p:cxnSp>
+      <p:cxnSp>
+        <p:nvCxnSpPr>
+          <p:cNvPr id="69" name="직선 화살표 연결선 68">
+            <a:extLst>
+              <a:ext uri="{FF2B5EF4-FFF2-40B4-BE49-F238E27FC236}">
+                <a16:creationId xmlns:a16="http://schemas.microsoft.com/office/drawing/2014/main" id="{2818DE87-2E87-4A9A-9A3D-2AB54DF7C700}"/>
+              </a:ext>
+            </a:extLst>
+          </p:cNvPr>
+          <p:cNvCxnSpPr>
+            <a:cxnSpLocks/>
+            <a:stCxn id="45" idx="2"/>
+            <a:endCxn id="36" idx="0"/>
+          </p:cNvCxnSpPr>
+          <p:nvPr/>
+        </p:nvCxnSpPr>
+        <p:spPr>
+          <a:xfrm flipH="1">
+            <a:off x="4652507" y="2499742"/>
+            <a:ext cx="747585" cy="720080"/>
+          </a:xfrm>
+          <a:prstGeom prst="straightConnector1">
+            <a:avLst/>
+          </a:prstGeom>
+          <a:ln w="28575">
+            <a:solidFill>
+              <a:schemeClr val="tx1"/>
+            </a:solidFill>
+            <a:headEnd type="none" w="med" len="med"/>
+            <a:tailEnd type="arrow" w="med" len="med"/>
+          </a:ln>
+        </p:spPr>
+        <p:style>
+          <a:lnRef idx="1">
+            <a:schemeClr val="accent1"/>
+          </a:lnRef>
+          <a:fillRef idx="0">
+            <a:schemeClr val="accent1"/>
+          </a:fillRef>
+          <a:effectRef idx="0">
+            <a:schemeClr val="accent1"/>
+          </a:effectRef>
+          <a:fontRef idx="minor">
+            <a:schemeClr val="tx1"/>
+          </a:fontRef>
+        </p:style>
+      </p:cxnSp>
+      <p:cxnSp>
+        <p:nvCxnSpPr>
+          <p:cNvPr id="73" name="직선 화살표 연결선 72">
+            <a:extLst>
+              <a:ext uri="{FF2B5EF4-FFF2-40B4-BE49-F238E27FC236}">
+                <a16:creationId xmlns:a16="http://schemas.microsoft.com/office/drawing/2014/main" id="{566BFDA2-9502-418D-83BE-2DB4CCD19A93}"/>
+              </a:ext>
+            </a:extLst>
+          </p:cNvPr>
+          <p:cNvCxnSpPr>
+            <a:cxnSpLocks/>
+            <a:stCxn id="46" idx="2"/>
+            <a:endCxn id="37" idx="0"/>
+          </p:cNvCxnSpPr>
+          <p:nvPr/>
+        </p:nvCxnSpPr>
+        <p:spPr>
+          <a:xfrm flipH="1">
+            <a:off x="6108840" y="2499742"/>
+            <a:ext cx="1336634" cy="720080"/>
+          </a:xfrm>
+          <a:prstGeom prst="straightConnector1">
+            <a:avLst/>
+          </a:prstGeom>
+          <a:ln w="28575">
+            <a:solidFill>
+              <a:schemeClr val="tx1"/>
+            </a:solidFill>
+            <a:headEnd type="none" w="med" len="med"/>
+            <a:tailEnd type="arrow" w="med" len="med"/>
+          </a:ln>
+        </p:spPr>
+        <p:style>
+          <a:lnRef idx="1">
+            <a:schemeClr val="accent1"/>
+          </a:lnRef>
+          <a:fillRef idx="0">
+            <a:schemeClr val="accent1"/>
+          </a:fillRef>
+          <a:effectRef idx="0">
+            <a:schemeClr val="accent1"/>
+          </a:effectRef>
+          <a:fontRef idx="minor">
+            <a:schemeClr val="tx1"/>
+          </a:fontRef>
+        </p:style>
+      </p:cxnSp>
+      <p:cxnSp>
+        <p:nvCxnSpPr>
+          <p:cNvPr id="75" name="직선 화살표 연결선 74">
+            <a:extLst>
+              <a:ext uri="{FF2B5EF4-FFF2-40B4-BE49-F238E27FC236}">
+                <a16:creationId xmlns:a16="http://schemas.microsoft.com/office/drawing/2014/main" id="{72263C22-3B34-4BFE-8C93-CFBC01931F37}"/>
+              </a:ext>
+            </a:extLst>
+          </p:cNvPr>
+          <p:cNvCxnSpPr>
+            <a:cxnSpLocks/>
+            <a:stCxn id="46" idx="2"/>
+            <a:endCxn id="38" idx="0"/>
+          </p:cNvCxnSpPr>
+          <p:nvPr/>
+        </p:nvCxnSpPr>
+        <p:spPr>
+          <a:xfrm>
+            <a:off x="7445474" y="2499742"/>
+            <a:ext cx="119699" cy="720080"/>
+          </a:xfrm>
+          <a:prstGeom prst="straightConnector1">
+            <a:avLst/>
+          </a:prstGeom>
+          <a:ln w="28575">
+            <a:solidFill>
+              <a:schemeClr val="tx1"/>
+            </a:solidFill>
+            <a:headEnd type="none" w="med" len="med"/>
+            <a:tailEnd type="arrow" w="med" len="med"/>
+          </a:ln>
+        </p:spPr>
+        <p:style>
+          <a:lnRef idx="1">
+            <a:schemeClr val="accent1"/>
+          </a:lnRef>
+          <a:fillRef idx="0">
+            <a:schemeClr val="accent1"/>
+          </a:fillRef>
+          <a:effectRef idx="0">
+            <a:schemeClr val="accent1"/>
+          </a:effectRef>
+          <a:fontRef idx="minor">
+            <a:schemeClr val="tx1"/>
+          </a:fontRef>
+        </p:style>
+      </p:cxnSp>
+      <p:cxnSp>
+        <p:nvCxnSpPr>
+          <p:cNvPr id="81" name="직선 화살표 연결선 80">
+            <a:extLst>
+              <a:ext uri="{FF2B5EF4-FFF2-40B4-BE49-F238E27FC236}">
+                <a16:creationId xmlns:a16="http://schemas.microsoft.com/office/drawing/2014/main" id="{2E8BE0AF-C961-4B3C-BF2C-19485EA7499C}"/>
+              </a:ext>
+            </a:extLst>
+          </p:cNvPr>
+          <p:cNvCxnSpPr>
+            <a:cxnSpLocks/>
+            <a:stCxn id="34" idx="2"/>
+            <a:endCxn id="30" idx="0"/>
+          </p:cNvCxnSpPr>
+          <p:nvPr/>
+        </p:nvCxnSpPr>
+        <p:spPr>
+          <a:xfrm>
+            <a:off x="3196174" y="3651870"/>
+            <a:ext cx="2174748" cy="720080"/>
+          </a:xfrm>
+          <a:prstGeom prst="straightConnector1">
+            <a:avLst/>
+          </a:prstGeom>
+          <a:ln w="28575">
+            <a:solidFill>
+              <a:schemeClr val="tx1"/>
+            </a:solidFill>
+            <a:headEnd type="none" w="med" len="med"/>
+            <a:tailEnd type="arrow" w="med" len="med"/>
+          </a:ln>
+        </p:spPr>
+        <p:style>
+          <a:lnRef idx="1">
+            <a:schemeClr val="accent1"/>
+          </a:lnRef>
+          <a:fillRef idx="0">
+            <a:schemeClr val="accent1"/>
+          </a:fillRef>
+          <a:effectRef idx="0">
+            <a:schemeClr val="accent1"/>
+          </a:effectRef>
+          <a:fontRef idx="minor">
+            <a:schemeClr val="tx1"/>
+          </a:fontRef>
+        </p:style>
+      </p:cxnSp>
+      <p:cxnSp>
+        <p:nvCxnSpPr>
+          <p:cNvPr id="84" name="직선 화살표 연결선 83">
+            <a:extLst>
+              <a:ext uri="{FF2B5EF4-FFF2-40B4-BE49-F238E27FC236}">
+                <a16:creationId xmlns:a16="http://schemas.microsoft.com/office/drawing/2014/main" id="{C2276369-0E48-4447-92EC-9E5ABF3FD459}"/>
+              </a:ext>
+            </a:extLst>
+          </p:cNvPr>
+          <p:cNvCxnSpPr>
+            <a:cxnSpLocks/>
+            <a:stCxn id="34" idx="2"/>
+            <a:endCxn id="41" idx="0"/>
+          </p:cNvCxnSpPr>
+          <p:nvPr/>
+        </p:nvCxnSpPr>
+        <p:spPr>
+          <a:xfrm flipH="1">
+            <a:off x="2430918" y="3651870"/>
+            <a:ext cx="765256" cy="720080"/>
+          </a:xfrm>
+          <a:prstGeom prst="straightConnector1">
+            <a:avLst/>
+          </a:prstGeom>
+          <a:ln w="28575">
+            <a:solidFill>
+              <a:schemeClr val="tx1"/>
+            </a:solidFill>
+            <a:headEnd type="none" w="med" len="med"/>
+            <a:tailEnd type="arrow" w="med" len="med"/>
+          </a:ln>
+        </p:spPr>
+        <p:style>
+          <a:lnRef idx="1">
+            <a:schemeClr val="accent1"/>
+          </a:lnRef>
+          <a:fillRef idx="0">
+            <a:schemeClr val="accent1"/>
+          </a:fillRef>
+          <a:effectRef idx="0">
+            <a:schemeClr val="accent1"/>
+          </a:effectRef>
+          <a:fontRef idx="minor">
+            <a:schemeClr val="tx1"/>
+          </a:fontRef>
+        </p:style>
+      </p:cxnSp>
+      <p:cxnSp>
+        <p:nvCxnSpPr>
+          <p:cNvPr id="87" name="직선 화살표 연결선 86">
+            <a:extLst>
+              <a:ext uri="{FF2B5EF4-FFF2-40B4-BE49-F238E27FC236}">
+                <a16:creationId xmlns:a16="http://schemas.microsoft.com/office/drawing/2014/main" id="{EDB89308-3B50-4322-AD2B-0FC53A4206B5}"/>
+              </a:ext>
+            </a:extLst>
+          </p:cNvPr>
+          <p:cNvCxnSpPr>
+            <a:cxnSpLocks/>
+            <a:stCxn id="36" idx="2"/>
+            <a:endCxn id="28" idx="0"/>
+          </p:cNvCxnSpPr>
+          <p:nvPr/>
+        </p:nvCxnSpPr>
+        <p:spPr>
+          <a:xfrm flipH="1">
+            <a:off x="3898825" y="3651870"/>
+            <a:ext cx="753682" cy="720080"/>
+          </a:xfrm>
+          <a:prstGeom prst="straightConnector1">
+            <a:avLst/>
+          </a:prstGeom>
+          <a:ln w="28575">
+            <a:solidFill>
+              <a:schemeClr val="tx1"/>
+            </a:solidFill>
+            <a:headEnd type="none" w="med" len="med"/>
+            <a:tailEnd type="arrow" w="med" len="med"/>
+          </a:ln>
+        </p:spPr>
+        <p:style>
+          <a:lnRef idx="1">
+            <a:schemeClr val="accent1"/>
+          </a:lnRef>
+          <a:fillRef idx="0">
+            <a:schemeClr val="accent1"/>
+          </a:fillRef>
+          <a:effectRef idx="0">
+            <a:schemeClr val="accent1"/>
+          </a:effectRef>
+          <a:fontRef idx="minor">
+            <a:schemeClr val="tx1"/>
+          </a:fontRef>
+        </p:style>
+      </p:cxnSp>
+      <p:cxnSp>
+        <p:nvCxnSpPr>
+          <p:cNvPr id="91" name="직선 화살표 연결선 90">
+            <a:extLst>
+              <a:ext uri="{FF2B5EF4-FFF2-40B4-BE49-F238E27FC236}">
+                <a16:creationId xmlns:a16="http://schemas.microsoft.com/office/drawing/2014/main" id="{C0235184-A747-40DE-9703-522FB7B92C0A}"/>
+              </a:ext>
+            </a:extLst>
+          </p:cNvPr>
+          <p:cNvCxnSpPr>
+            <a:cxnSpLocks/>
+            <a:stCxn id="37" idx="2"/>
+            <a:endCxn id="30" idx="0"/>
+          </p:cNvCxnSpPr>
+          <p:nvPr/>
+        </p:nvCxnSpPr>
+        <p:spPr>
+          <a:xfrm flipH="1">
+            <a:off x="5370922" y="3651870"/>
+            <a:ext cx="737918" cy="720080"/>
+          </a:xfrm>
+          <a:prstGeom prst="straightConnector1">
+            <a:avLst/>
+          </a:prstGeom>
+          <a:ln w="28575">
+            <a:solidFill>
+              <a:schemeClr val="tx1"/>
+            </a:solidFill>
+            <a:headEnd type="none" w="med" len="med"/>
+            <a:tailEnd type="arrow" w="med" len="med"/>
+          </a:ln>
+        </p:spPr>
+        <p:style>
+          <a:lnRef idx="1">
+            <a:schemeClr val="accent1"/>
+          </a:lnRef>
+          <a:fillRef idx="0">
+            <a:schemeClr val="accent1"/>
+          </a:fillRef>
+          <a:effectRef idx="0">
+            <a:schemeClr val="accent1"/>
+          </a:effectRef>
+          <a:fontRef idx="minor">
+            <a:schemeClr val="tx1"/>
+          </a:fontRef>
+        </p:style>
+      </p:cxnSp>
+      <p:cxnSp>
+        <p:nvCxnSpPr>
+          <p:cNvPr id="94" name="직선 화살표 연결선 93">
+            <a:extLst>
+              <a:ext uri="{FF2B5EF4-FFF2-40B4-BE49-F238E27FC236}">
+                <a16:creationId xmlns:a16="http://schemas.microsoft.com/office/drawing/2014/main" id="{91D476E6-C3F6-43EF-A796-9EC5E11B1B2F}"/>
+              </a:ext>
+            </a:extLst>
+          </p:cNvPr>
+          <p:cNvCxnSpPr>
+            <a:cxnSpLocks/>
+            <a:stCxn id="38" idx="2"/>
+            <a:endCxn id="31" idx="0"/>
+          </p:cNvCxnSpPr>
+          <p:nvPr/>
+        </p:nvCxnSpPr>
+        <p:spPr>
+          <a:xfrm flipH="1">
+            <a:off x="6843019" y="3651870"/>
+            <a:ext cx="722154" cy="720080"/>
+          </a:xfrm>
+          <a:prstGeom prst="straightConnector1">
+            <a:avLst/>
+          </a:prstGeom>
+          <a:ln w="28575">
+            <a:solidFill>
+              <a:schemeClr val="tx1"/>
+            </a:solidFill>
+            <a:headEnd type="none" w="med" len="med"/>
+            <a:tailEnd type="arrow" w="med" len="med"/>
+          </a:ln>
+        </p:spPr>
+        <p:style>
+          <a:lnRef idx="1">
+            <a:schemeClr val="accent1"/>
+          </a:lnRef>
+          <a:fillRef idx="0">
+            <a:schemeClr val="accent1"/>
+          </a:fillRef>
+          <a:effectRef idx="0">
+            <a:schemeClr val="accent1"/>
+          </a:effectRef>
+          <a:fontRef idx="minor">
+            <a:schemeClr val="tx1"/>
+          </a:fontRef>
+        </p:style>
+      </p:cxnSp>
+      <p:cxnSp>
+        <p:nvCxnSpPr>
+          <p:cNvPr id="97" name="직선 화살표 연결선 96">
+            <a:extLst>
+              <a:ext uri="{FF2B5EF4-FFF2-40B4-BE49-F238E27FC236}">
+                <a16:creationId xmlns:a16="http://schemas.microsoft.com/office/drawing/2014/main" id="{8B0C718A-2D48-4B59-B735-66D00BB70CE9}"/>
+              </a:ext>
+            </a:extLst>
+          </p:cNvPr>
+          <p:cNvCxnSpPr>
+            <a:cxnSpLocks/>
+            <a:stCxn id="38" idx="2"/>
+            <a:endCxn id="32" idx="0"/>
+          </p:cNvCxnSpPr>
+          <p:nvPr/>
+        </p:nvCxnSpPr>
+        <p:spPr>
+          <a:xfrm>
+            <a:off x="7565173" y="3651870"/>
+            <a:ext cx="741178" cy="720080"/>
+          </a:xfrm>
+          <a:prstGeom prst="straightConnector1">
+            <a:avLst/>
+          </a:prstGeom>
+          <a:ln w="28575">
+            <a:solidFill>
+              <a:schemeClr val="tx1"/>
+            </a:solidFill>
+            <a:headEnd type="none" w="med" len="med"/>
+            <a:tailEnd type="arrow" w="med" len="med"/>
+          </a:ln>
+        </p:spPr>
+        <p:style>
+          <a:lnRef idx="1">
+            <a:schemeClr val="accent1"/>
+          </a:lnRef>
+          <a:fillRef idx="0">
+            <a:schemeClr val="accent1"/>
+          </a:fillRef>
+          <a:effectRef idx="0">
+            <a:schemeClr val="accent1"/>
+          </a:effectRef>
+          <a:fontRef idx="minor">
+            <a:schemeClr val="tx1"/>
+          </a:fontRef>
+        </p:style>
+      </p:cxnSp>
+      <p:cxnSp>
+        <p:nvCxnSpPr>
+          <p:cNvPr id="100" name="직선 화살표 연결선 99">
+            <a:extLst>
+              <a:ext uri="{FF2B5EF4-FFF2-40B4-BE49-F238E27FC236}">
+                <a16:creationId xmlns:a16="http://schemas.microsoft.com/office/drawing/2014/main" id="{911DE5DB-B9A4-40A9-8194-7595DB56D60F}"/>
+              </a:ext>
+            </a:extLst>
+          </p:cNvPr>
+          <p:cNvCxnSpPr>
+            <a:cxnSpLocks/>
+            <a:stCxn id="37" idx="2"/>
+            <a:endCxn id="32" idx="0"/>
+          </p:cNvCxnSpPr>
+          <p:nvPr/>
+        </p:nvCxnSpPr>
+        <p:spPr>
+          <a:xfrm>
+            <a:off x="6108840" y="3651870"/>
+            <a:ext cx="2197511" cy="720080"/>
+          </a:xfrm>
+          <a:prstGeom prst="straightConnector1">
+            <a:avLst/>
+          </a:prstGeom>
+          <a:ln w="28575">
+            <a:solidFill>
+              <a:schemeClr val="tx1"/>
+            </a:solidFill>
+            <a:headEnd type="none" w="med" len="med"/>
+            <a:tailEnd type="arrow" w="med" len="med"/>
+          </a:ln>
+        </p:spPr>
+        <p:style>
+          <a:lnRef idx="1">
+            <a:schemeClr val="accent1"/>
+          </a:lnRef>
+          <a:fillRef idx="0">
+            <a:schemeClr val="accent1"/>
+          </a:fillRef>
+          <a:effectRef idx="0">
+            <a:schemeClr val="accent1"/>
+          </a:effectRef>
+          <a:fontRef idx="minor">
+            <a:schemeClr val="tx1"/>
+          </a:fontRef>
+        </p:style>
+      </p:cxnSp>
+      <p:cxnSp>
+        <p:nvCxnSpPr>
+          <p:cNvPr id="105" name="직선 화살표 연결선 104">
+            <a:extLst>
+              <a:ext uri="{FF2B5EF4-FFF2-40B4-BE49-F238E27FC236}">
+                <a16:creationId xmlns:a16="http://schemas.microsoft.com/office/drawing/2014/main" id="{542401F2-DA1A-4726-9ADF-75B14F28AB63}"/>
+              </a:ext>
+            </a:extLst>
+          </p:cNvPr>
+          <p:cNvCxnSpPr>
+            <a:cxnSpLocks/>
+            <a:stCxn id="45" idx="2"/>
+            <a:endCxn id="30" idx="0"/>
+          </p:cNvCxnSpPr>
+          <p:nvPr/>
+        </p:nvCxnSpPr>
+        <p:spPr>
+          <a:xfrm flipH="1">
+            <a:off x="5370922" y="2499742"/>
+            <a:ext cx="29170" cy="1872208"/>
+          </a:xfrm>
+          <a:prstGeom prst="straightConnector1">
+            <a:avLst/>
+          </a:prstGeom>
+          <a:ln w="28575">
+            <a:solidFill>
+              <a:schemeClr val="tx1"/>
+            </a:solidFill>
+            <a:headEnd type="none" w="med" len="med"/>
+            <a:tailEnd type="arrow" w="med" len="med"/>
+          </a:ln>
+        </p:spPr>
+        <p:style>
+          <a:lnRef idx="1">
+            <a:schemeClr val="accent1"/>
+          </a:lnRef>
+          <a:fillRef idx="0">
+            <a:schemeClr val="accent1"/>
+          </a:fillRef>
+          <a:effectRef idx="0">
+            <a:schemeClr val="accent1"/>
+          </a:effectRef>
+          <a:fontRef idx="minor">
+            <a:schemeClr val="tx1"/>
+          </a:fontRef>
+        </p:style>
+      </p:cxnSp>
+      <p:cxnSp>
+        <p:nvCxnSpPr>
+          <p:cNvPr id="108" name="직선 화살표 연결선 107">
+            <a:extLst>
+              <a:ext uri="{FF2B5EF4-FFF2-40B4-BE49-F238E27FC236}">
+                <a16:creationId xmlns:a16="http://schemas.microsoft.com/office/drawing/2014/main" id="{A992B37A-3142-4D47-A2B1-B8540A767E95}"/>
+              </a:ext>
+            </a:extLst>
+          </p:cNvPr>
+          <p:cNvCxnSpPr>
+            <a:cxnSpLocks/>
+            <a:stCxn id="36" idx="2"/>
+            <a:endCxn id="41" idx="0"/>
+          </p:cNvCxnSpPr>
+          <p:nvPr/>
+        </p:nvCxnSpPr>
+        <p:spPr>
+          <a:xfrm flipH="1">
+            <a:off x="2430918" y="3651870"/>
+            <a:ext cx="2221589" cy="720080"/>
+          </a:xfrm>
+          <a:prstGeom prst="straightConnector1">
+            <a:avLst/>
+          </a:prstGeom>
+          <a:ln w="28575">
+            <a:solidFill>
+              <a:schemeClr val="tx1"/>
+            </a:solidFill>
+            <a:headEnd type="none" w="med" len="med"/>
+            <a:tailEnd type="arrow" w="med" len="med"/>
+          </a:ln>
+        </p:spPr>
+        <p:style>
+          <a:lnRef idx="1">
+            <a:schemeClr val="accent1"/>
+          </a:lnRef>
+          <a:fillRef idx="0">
+            <a:schemeClr val="accent1"/>
+          </a:fillRef>
+          <a:effectRef idx="0">
+            <a:schemeClr val="accent1"/>
+          </a:effectRef>
+          <a:fontRef idx="minor">
+            <a:schemeClr val="tx1"/>
+          </a:fontRef>
+        </p:style>
+      </p:cxnSp>
+    </p:spTree>
+    <p:extLst>
+      <p:ext uri="{BB962C8B-B14F-4D97-AF65-F5344CB8AC3E}">
+        <p14:creationId xmlns:p14="http://schemas.microsoft.com/office/powerpoint/2010/main" val="1488035736"/>
       </p:ext>
     </p:extLst>
   </p:cSld>

--- a/images/theory_analysis/MSA/Micro_Service_Architecture.pptx
+++ b/images/theory_analysis/MSA/Micro_Service_Architecture.pptx
@@ -225,7 +225,7 @@
           <a:p>
             <a:fld id="{6CD5550B-26C4-49A9-A5BA-636EF7BE6CE9}" type="datetimeFigureOut">
               <a:rPr lang="ko-KR" altLang="en-US" smtClean="0"/>
-              <a:t>2021-06-13</a:t>
+              <a:t>2021-06-14</a:t>
             </a:fld>
             <a:endParaRPr lang="ko-KR" altLang="en-US"/>
           </a:p>
@@ -1679,7 +1679,7 @@
           <a:p>
             <a:fld id="{FB30EDBD-1C2D-4C1E-B459-B60219FAB484}" type="datetimeFigureOut">
               <a:rPr lang="ko-KR" altLang="en-US" smtClean="0"/>
-              <a:t>2021-06-13</a:t>
+              <a:t>2021-06-14</a:t>
             </a:fld>
             <a:endParaRPr lang="ko-KR" altLang="en-US"/>
           </a:p>
@@ -1842,7 +1842,7 @@
           <a:p>
             <a:fld id="{FB30EDBD-1C2D-4C1E-B459-B60219FAB484}" type="datetimeFigureOut">
               <a:rPr lang="ko-KR" altLang="en-US" smtClean="0"/>
-              <a:t>2021-06-13</a:t>
+              <a:t>2021-06-14</a:t>
             </a:fld>
             <a:endParaRPr lang="ko-KR" altLang="en-US"/>
           </a:p>
@@ -2015,7 +2015,7 @@
           <a:p>
             <a:fld id="{FB30EDBD-1C2D-4C1E-B459-B60219FAB484}" type="datetimeFigureOut">
               <a:rPr lang="ko-KR" altLang="en-US" smtClean="0"/>
-              <a:t>2021-06-13</a:t>
+              <a:t>2021-06-14</a:t>
             </a:fld>
             <a:endParaRPr lang="ko-KR" altLang="en-US"/>
           </a:p>
@@ -2178,7 +2178,7 @@
           <a:p>
             <a:fld id="{FB30EDBD-1C2D-4C1E-B459-B60219FAB484}" type="datetimeFigureOut">
               <a:rPr lang="ko-KR" altLang="en-US" smtClean="0"/>
-              <a:t>2021-06-13</a:t>
+              <a:t>2021-06-14</a:t>
             </a:fld>
             <a:endParaRPr lang="ko-KR" altLang="en-US"/>
           </a:p>
@@ -2418,7 +2418,7 @@
           <a:p>
             <a:fld id="{FB30EDBD-1C2D-4C1E-B459-B60219FAB484}" type="datetimeFigureOut">
               <a:rPr lang="ko-KR" altLang="en-US" smtClean="0"/>
-              <a:t>2021-06-13</a:t>
+              <a:t>2021-06-14</a:t>
             </a:fld>
             <a:endParaRPr lang="ko-KR" altLang="en-US"/>
           </a:p>
@@ -2698,7 +2698,7 @@
           <a:p>
             <a:fld id="{FB30EDBD-1C2D-4C1E-B459-B60219FAB484}" type="datetimeFigureOut">
               <a:rPr lang="ko-KR" altLang="en-US" smtClean="0"/>
-              <a:t>2021-06-13</a:t>
+              <a:t>2021-06-14</a:t>
             </a:fld>
             <a:endParaRPr lang="ko-KR" altLang="en-US"/>
           </a:p>
@@ -3112,7 +3112,7 @@
           <a:p>
             <a:fld id="{FB30EDBD-1C2D-4C1E-B459-B60219FAB484}" type="datetimeFigureOut">
               <a:rPr lang="ko-KR" altLang="en-US" smtClean="0"/>
-              <a:t>2021-06-13</a:t>
+              <a:t>2021-06-14</a:t>
             </a:fld>
             <a:endParaRPr lang="ko-KR" altLang="en-US"/>
           </a:p>
@@ -3224,7 +3224,7 @@
           <a:p>
             <a:fld id="{FB30EDBD-1C2D-4C1E-B459-B60219FAB484}" type="datetimeFigureOut">
               <a:rPr lang="ko-KR" altLang="en-US" smtClean="0"/>
-              <a:t>2021-06-13</a:t>
+              <a:t>2021-06-14</a:t>
             </a:fld>
             <a:endParaRPr lang="ko-KR" altLang="en-US"/>
           </a:p>
@@ -3314,7 +3314,7 @@
           <a:p>
             <a:fld id="{FB30EDBD-1C2D-4C1E-B459-B60219FAB484}" type="datetimeFigureOut">
               <a:rPr lang="ko-KR" altLang="en-US" smtClean="0"/>
-              <a:t>2021-06-13</a:t>
+              <a:t>2021-06-14</a:t>
             </a:fld>
             <a:endParaRPr lang="ko-KR" altLang="en-US"/>
           </a:p>
@@ -3584,7 +3584,7 @@
           <a:p>
             <a:fld id="{FB30EDBD-1C2D-4C1E-B459-B60219FAB484}" type="datetimeFigureOut">
               <a:rPr lang="ko-KR" altLang="en-US" smtClean="0"/>
-              <a:t>2021-06-13</a:t>
+              <a:t>2021-06-14</a:t>
             </a:fld>
             <a:endParaRPr lang="ko-KR" altLang="en-US"/>
           </a:p>
@@ -3831,7 +3831,7 @@
           <a:p>
             <a:fld id="{FB30EDBD-1C2D-4C1E-B459-B60219FAB484}" type="datetimeFigureOut">
               <a:rPr lang="ko-KR" altLang="en-US" smtClean="0"/>
-              <a:t>2021-06-13</a:t>
+              <a:t>2021-06-14</a:t>
             </a:fld>
             <a:endParaRPr lang="ko-KR" altLang="en-US"/>
           </a:p>
@@ -4037,7 +4037,7 @@
           <a:p>
             <a:fld id="{FB30EDBD-1C2D-4C1E-B459-B60219FAB484}" type="datetimeFigureOut">
               <a:rPr lang="ko-KR" altLang="en-US" smtClean="0"/>
-              <a:t>2021-06-13</a:t>
+              <a:t>2021-06-14</a:t>
             </a:fld>
             <a:endParaRPr lang="ko-KR" altLang="en-US"/>
           </a:p>
@@ -14564,8 +14564,8 @@
         </p:nvSpPr>
         <p:spPr>
           <a:xfrm>
-            <a:off x="1763688" y="1972325"/>
-            <a:ext cx="2520280" cy="307777"/>
+            <a:off x="1835696" y="1972325"/>
+            <a:ext cx="2520280" cy="276999"/>
           </a:xfrm>
           <a:prstGeom prst="rect">
             <a:avLst/>
@@ -14580,7 +14580,7 @@
           <a:p>
             <a:pPr algn="ctr"/>
             <a:r>
-              <a:rPr lang="en-US" altLang="ko-KR" sz="1400" b="1">
+              <a:rPr lang="en-US" altLang="ko-KR" sz="1200" b="1">
                 <a:solidFill>
                   <a:srgbClr val="C00000"/>
                 </a:solidFill>
@@ -14604,8 +14604,8 @@
         </p:nvSpPr>
         <p:spPr>
           <a:xfrm>
-            <a:off x="1331640" y="2787774"/>
-            <a:ext cx="2520280" cy="307777"/>
+            <a:off x="1403648" y="2825878"/>
+            <a:ext cx="2520280" cy="276999"/>
           </a:xfrm>
           <a:prstGeom prst="rect">
             <a:avLst/>
@@ -14620,7 +14620,7 @@
           <a:p>
             <a:pPr algn="ctr"/>
             <a:r>
-              <a:rPr lang="en-US" altLang="ko-KR" sz="1400" b="1">
+              <a:rPr lang="en-US" altLang="ko-KR" sz="1200" b="1">
                 <a:solidFill>
                   <a:schemeClr val="tx2"/>
                 </a:solidFill>

--- a/images/theory_analysis/MSA/Micro_Service_Architecture.pptx
+++ b/images/theory_analysis/MSA/Micro_Service_Architecture.pptx
@@ -5917,16 +5917,8 @@
             <a:pPr algn="ctr"/>
             <a:r>
               <a:rPr lang="en-US" altLang="ko-KR" sz="1400"/>
-              <a:t>DB A / </a:t>
-            </a:r>
-          </a:p>
-          <a:p>
-            <a:pPr algn="ctr"/>
-            <a:r>
-              <a:rPr lang="en-US" altLang="ko-KR" sz="1400"/>
-              <a:t>RDBMS</a:t>
-            </a:r>
-            <a:endParaRPr lang="ko-KR" altLang="en-US" sz="1400"/>
+              <a:t>DB A</a:t>
+            </a:r>
           </a:p>
         </p:txBody>
       </p:sp>
@@ -5975,14 +5967,6 @@
               <a:t>DB B</a:t>
             </a:r>
           </a:p>
-          <a:p>
-            <a:pPr algn="ctr"/>
-            <a:r>
-              <a:rPr lang="en-US" altLang="ko-KR" sz="1400"/>
-              <a:t>/ NoSQL</a:t>
-            </a:r>
-            <a:endParaRPr lang="ko-KR" altLang="en-US" sz="1400"/>
-          </a:p>
         </p:txBody>
       </p:sp>
       <p:sp>
@@ -6027,14 +6011,7 @@
             <a:pPr algn="ctr"/>
             <a:r>
               <a:rPr lang="en-US" altLang="ko-KR" sz="1400"/>
-              <a:t>DB C /</a:t>
-            </a:r>
-            <a:br>
-              <a:rPr lang="en-US" altLang="ko-KR" sz="1400"/>
-            </a:br>
-            <a:r>
-              <a:rPr lang="en-US" altLang="ko-KR" sz="1400"/>
-              <a:t>RDBMS</a:t>
+              <a:t>DB C</a:t>
             </a:r>
           </a:p>
         </p:txBody>
